--- a/ppt/3.2-定义类的属性.pptx
+++ b/ppt/3.2-定义类的属性.pptx
@@ -659,6 +659,15 @@
               </a:spcBef>
               <a:buNone/>
             </a:pPr>
+            <a:r>
+              <a:rPr lang="zh-CN">
+                <a:ea typeface="宋体" charset="0"/>
+              </a:rPr>
+              <a:t>还有一种方式就是在构造函数里定义，这样属性是属于独立的不同对象的</a:t>
+            </a:r>
+            <a:endParaRPr lang="zh-CN">
+              <a:ea typeface="宋体" charset="0"/>
+            </a:endParaRPr>
           </a:p>
         </p:txBody>
       </p:sp>
@@ -4108,7 +4117,7 @@
               <a:buNone/>
             </a:pPr>
             <a:r>
-              <a:rPr lang="en-GB" sz="3000">
+              <a:rPr lang="en-GB" sz="3000" b="1">
                 <a:solidFill>
                   <a:srgbClr val="C94251"/>
                 </a:solidFill>
@@ -4117,7 +4126,7 @@
               </a:rPr>
               <a:t>定义类的属性</a:t>
             </a:r>
-            <a:endParaRPr lang="en-GB" sz="3000">
+            <a:endParaRPr lang="en-GB" sz="3000" b="1">
               <a:solidFill>
                 <a:srgbClr val="C94251"/>
               </a:solidFill>
@@ -5169,6 +5178,8 @@
                 <a:spcPts val="0"/>
               </a:spcBef>
               <a:buSzPct val="100000"/>
+              <a:buFont typeface="Arial" charset="0"/>
+              <a:buChar char="•"/>
             </a:pPr>
             <a:r>
               <a:rPr lang="en-GB" sz="1500">
@@ -5183,11 +5194,13 @@
             </a:endParaRPr>
           </a:p>
           <a:p>
-            <a:pPr marL="457200" lvl="0" indent="-323850" rtl="0">
-              <a:spcBef>
-                <a:spcPts val="0"/>
-              </a:spcBef>
-              <a:buSzPct val="100000"/>
+            <a:pPr marL="457200" lvl="0" indent="-323850">
+              <a:spcBef>
+                <a:spcPts val="0"/>
+              </a:spcBef>
+              <a:buSzPct val="100000"/>
+              <a:buFont typeface="Arial" charset="0"/>
+              <a:buChar char="•"/>
             </a:pPr>
             <a:r>
               <a:rPr lang="en-GB" sz="1500">

--- a/ppt/3.2-定义类的属性.pptx
+++ b/ppt/3.2-定义类的属性.pptx
@@ -226,6 +226,7 @@
   <p:cSld>
     <p:bg>
       <p:bgPr>
+        <a:noFill/>
         <a:effectLst/>
       </p:bgPr>
     </p:bg>
@@ -5160,8 +5161,8 @@
         </p:nvSpPr>
         <p:spPr>
           <a:xfrm>
-            <a:off x="311700" y="1152475"/>
-            <a:ext cx="8520600" cy="3416400"/>
+            <a:off x="311785" y="1152525"/>
+            <a:ext cx="8503920" cy="3425190"/>
           </a:xfrm>
           <a:prstGeom prst="rect">
             <a:avLst/>
@@ -5203,6 +5204,34 @@
               <a:buChar char="•"/>
             </a:pPr>
             <a:r>
+              <a:rPr lang="en-US" altLang="en-GB" sz="1500">
+                <a:latin typeface="微软雅黑" charset="0"/>
+                <a:ea typeface="微软雅黑" charset="0"/>
+              </a:rPr>
+              <a:t>Python</a:t>
+            </a:r>
+            <a:r>
+              <a:rPr lang="zh-CN" altLang="en-US" sz="1500">
+                <a:latin typeface="微软雅黑" charset="0"/>
+                <a:ea typeface="微软雅黑" charset="0"/>
+              </a:rPr>
+              <a:t>没提供私有属性的功能</a:t>
+            </a:r>
+            <a:endParaRPr lang="zh-CN" altLang="en-US" sz="1500">
+              <a:latin typeface="微软雅黑" charset="0"/>
+              <a:ea typeface="微软雅黑" charset="0"/>
+            </a:endParaRPr>
+          </a:p>
+          <a:p>
+            <a:pPr marL="457200" lvl="0" indent="-323850">
+              <a:spcBef>
+                <a:spcPts val="0"/>
+              </a:spcBef>
+              <a:buSzPct val="100000"/>
+              <a:buFont typeface="Arial" charset="0"/>
+              <a:buChar char="•"/>
+            </a:pPr>
+            <a:r>
               <a:rPr lang="en-GB" sz="1500">
                 <a:latin typeface="微软雅黑" charset="0"/>
                 <a:ea typeface="微软雅黑" charset="0"/>
@@ -5236,6 +5265,219 @@
   <p:transition spd="slow">
     <p:fade/>
   </p:transition>
+  <p:timing>
+    <p:tnLst>
+      <p:par>
+        <p:cTn id="1" dur="indefinite" restart="never" nodeType="tmRoot">
+          <p:childTnLst>
+            <p:seq concurrent="1" nextAc="seek">
+              <p:cTn id="2" dur="indefinite" nodeType="mainSeq">
+                <p:childTnLst>
+                  <p:par>
+                    <p:cTn id="3" fill="hold">
+                      <p:stCondLst>
+                        <p:cond delay="indefinite"/>
+                      </p:stCondLst>
+                      <p:childTnLst>
+                        <p:par>
+                          <p:cTn id="4" fill="hold">
+                            <p:stCondLst>
+                              <p:cond delay="0"/>
+                            </p:stCondLst>
+                            <p:childTnLst>
+                              <p:par>
+                                <p:cTn id="5" presetID="10" presetClass="entr" presetSubtype="0" fill="hold" nodeType="clickEffect">
+                                  <p:stCondLst>
+                                    <p:cond delay="0"/>
+                                  </p:stCondLst>
+                                  <p:childTnLst>
+                                    <p:set>
+                                      <p:cBhvr>
+                                        <p:cTn id="6" dur="1" fill="hold">
+                                          <p:stCondLst>
+                                            <p:cond delay="0"/>
+                                          </p:stCondLst>
+                                        </p:cTn>
+                                        <p:tgtEl>
+                                          <p:spTgt spid="73">
+                                            <p:txEl>
+                                              <p:pRg st="0" end="0"/>
+                                            </p:txEl>
+                                          </p:spTgt>
+                                        </p:tgtEl>
+                                        <p:attrNameLst>
+                                          <p:attrName>style.visibility</p:attrName>
+                                        </p:attrNameLst>
+                                      </p:cBhvr>
+                                      <p:to>
+                                        <p:strVal val="visible"/>
+                                      </p:to>
+                                    </p:set>
+                                    <p:animEffect transition="in" filter="fade">
+                                      <p:cBhvr>
+                                        <p:cTn id="7" dur="500"/>
+                                        <p:tgtEl>
+                                          <p:spTgt spid="73">
+                                            <p:txEl>
+                                              <p:pRg st="0" end="0"/>
+                                            </p:txEl>
+                                          </p:spTgt>
+                                        </p:tgtEl>
+                                      </p:cBhvr>
+                                    </p:animEffect>
+                                  </p:childTnLst>
+                                </p:cTn>
+                              </p:par>
+                            </p:childTnLst>
+                          </p:cTn>
+                        </p:par>
+                      </p:childTnLst>
+                    </p:cTn>
+                  </p:par>
+                  <p:par>
+                    <p:cTn id="8" fill="hold">
+                      <p:stCondLst>
+                        <p:cond delay="indefinite"/>
+                      </p:stCondLst>
+                      <p:childTnLst>
+                        <p:par>
+                          <p:cTn id="9" fill="hold">
+                            <p:stCondLst>
+                              <p:cond delay="0"/>
+                            </p:stCondLst>
+                            <p:childTnLst>
+                              <p:par>
+                                <p:cTn id="10" presetID="10" presetClass="entr" presetSubtype="0" fill="hold" nodeType="clickEffect">
+                                  <p:stCondLst>
+                                    <p:cond delay="0"/>
+                                  </p:stCondLst>
+                                  <p:childTnLst>
+                                    <p:set>
+                                      <p:cBhvr>
+                                        <p:cTn id="11" dur="1" fill="hold">
+                                          <p:stCondLst>
+                                            <p:cond delay="0"/>
+                                          </p:stCondLst>
+                                        </p:cTn>
+                                        <p:tgtEl>
+                                          <p:spTgt spid="73">
+                                            <p:txEl>
+                                              <p:pRg st="1" end="1"/>
+                                            </p:txEl>
+                                          </p:spTgt>
+                                        </p:tgtEl>
+                                        <p:attrNameLst>
+                                          <p:attrName>style.visibility</p:attrName>
+                                        </p:attrNameLst>
+                                      </p:cBhvr>
+                                      <p:to>
+                                        <p:strVal val="visible"/>
+                                      </p:to>
+                                    </p:set>
+                                    <p:animEffect transition="in" filter="fade">
+                                      <p:cBhvr>
+                                        <p:cTn id="12" dur="500"/>
+                                        <p:tgtEl>
+                                          <p:spTgt spid="73">
+                                            <p:txEl>
+                                              <p:pRg st="1" end="1"/>
+                                            </p:txEl>
+                                          </p:spTgt>
+                                        </p:tgtEl>
+                                      </p:cBhvr>
+                                    </p:animEffect>
+                                  </p:childTnLst>
+                                </p:cTn>
+                              </p:par>
+                            </p:childTnLst>
+                          </p:cTn>
+                        </p:par>
+                      </p:childTnLst>
+                    </p:cTn>
+                  </p:par>
+                  <p:par>
+                    <p:cTn id="13" fill="hold">
+                      <p:stCondLst>
+                        <p:cond delay="indefinite"/>
+                      </p:stCondLst>
+                      <p:childTnLst>
+                        <p:par>
+                          <p:cTn id="14" fill="hold">
+                            <p:stCondLst>
+                              <p:cond delay="0"/>
+                            </p:stCondLst>
+                            <p:childTnLst>
+                              <p:par>
+                                <p:cTn id="15" presetID="10" presetClass="entr" presetSubtype="0" fill="hold" nodeType="clickEffect">
+                                  <p:stCondLst>
+                                    <p:cond delay="0"/>
+                                  </p:stCondLst>
+                                  <p:childTnLst>
+                                    <p:set>
+                                      <p:cBhvr>
+                                        <p:cTn id="16" dur="1" fill="hold">
+                                          <p:stCondLst>
+                                            <p:cond delay="0"/>
+                                          </p:stCondLst>
+                                        </p:cTn>
+                                        <p:tgtEl>
+                                          <p:spTgt spid="73">
+                                            <p:txEl>
+                                              <p:pRg st="2" end="2"/>
+                                            </p:txEl>
+                                          </p:spTgt>
+                                        </p:tgtEl>
+                                        <p:attrNameLst>
+                                          <p:attrName>style.visibility</p:attrName>
+                                        </p:attrNameLst>
+                                      </p:cBhvr>
+                                      <p:to>
+                                        <p:strVal val="visible"/>
+                                      </p:to>
+                                    </p:set>
+                                    <p:animEffect transition="in" filter="fade">
+                                      <p:cBhvr>
+                                        <p:cTn id="17" dur="500"/>
+                                        <p:tgtEl>
+                                          <p:spTgt spid="73">
+                                            <p:txEl>
+                                              <p:pRg st="2" end="2"/>
+                                            </p:txEl>
+                                          </p:spTgt>
+                                        </p:tgtEl>
+                                      </p:cBhvr>
+                                    </p:animEffect>
+                                  </p:childTnLst>
+                                </p:cTn>
+                              </p:par>
+                            </p:childTnLst>
+                          </p:cTn>
+                        </p:par>
+                      </p:childTnLst>
+                    </p:cTn>
+                  </p:par>
+                </p:childTnLst>
+              </p:cTn>
+              <p:prevCondLst>
+                <p:cond evt="onPrev" delay="0">
+                  <p:tgtEl>
+                    <p:sldTgt/>
+                  </p:tgtEl>
+                </p:cond>
+              </p:prevCondLst>
+              <p:nextCondLst>
+                <p:cond evt="onNext" delay="0">
+                  <p:tgtEl>
+                    <p:sldTgt/>
+                  </p:tgtEl>
+                </p:cond>
+              </p:nextCondLst>
+            </p:seq>
+          </p:childTnLst>
+        </p:cTn>
+      </p:par>
+    </p:tnLst>
+  </p:timing>
 </p:sld>
 </file>
 
@@ -5286,16 +5528,16 @@
               <a:buNone/>
             </a:pPr>
             <a:r>
-              <a:rPr lang="en-GB" sz="2200">
+              <a:rPr lang="zh-CN" altLang="en-GB" sz="2200">
                 <a:solidFill>
                   <a:srgbClr val="C94251"/>
                 </a:solidFill>
                 <a:latin typeface="微软雅黑" charset="0"/>
                 <a:ea typeface="微软雅黑" charset="0"/>
               </a:rPr>
-              <a:t>所以主要是靠编程规范来约束</a:t>
+              <a:t>常用属性定义</a:t>
             </a:r>
-            <a:endParaRPr lang="en-GB" sz="2200">
+            <a:endParaRPr lang="zh-CN" altLang="en-GB" sz="2200">
               <a:solidFill>
                 <a:srgbClr val="C94251"/>
               </a:solidFill>

--- a/ppt/3.2-定义类的属性.pptx
+++ b/ppt/3.2-定义类的属性.pptx
@@ -5,16 +5,16 @@
     <p:sldMasterId id="2147483648" r:id="rId1"/>
   </p:sldMasterIdLst>
   <p:notesMasterIdLst>
-    <p:notesMasterId r:id="rId4"/>
+    <p:notesMasterId r:id="rId7"/>
   </p:notesMasterIdLst>
   <p:sldIdLst>
-    <p:sldId id="256" r:id="rId3"/>
-    <p:sldId id="257" r:id="rId5"/>
-    <p:sldId id="258" r:id="rId6"/>
-    <p:sldId id="259" r:id="rId7"/>
-    <p:sldId id="260" r:id="rId8"/>
+    <p:sldId id="256" r:id="rId2"/>
+    <p:sldId id="257" r:id="rId3"/>
+    <p:sldId id="258" r:id="rId4"/>
+    <p:sldId id="259" r:id="rId5"/>
+    <p:sldId id="260" r:id="rId6"/>
   </p:sldIdLst>
-  <p:sldSz cx="9144000" cy="5143500"/>
+  <p:sldSz cx="9144000" cy="5143500" type="screen16x9"/>
   <p:notesSz cx="6858000" cy="9144000"/>
   <p:defaultTextStyle>
     <a:defPPr marR="0" lvl="0" algn="l" rtl="0">
@@ -232,7 +232,7 @@
     </p:bg>
     <p:spTree>
       <p:nvGrpSpPr>
-        <p:cNvPr id="2" name="Shape 2"/>
+        <p:cNvPr id="1" name="Shape 2"/>
         <p:cNvGrpSpPr/>
         <p:nvPr/>
       </p:nvGrpSpPr>
@@ -247,7 +247,9 @@
       <p:sp>
         <p:nvSpPr>
           <p:cNvPr id="3" name="Shape 3"/>
-          <p:cNvSpPr/>
+          <p:cNvSpPr>
+            <a:spLocks noGrp="1" noRot="1" noChangeAspect="1"/>
+          </p:cNvSpPr>
           <p:nvPr>
             <p:ph type="sldImg" idx="2"/>
           </p:nvPr>
@@ -262,6 +264,7 @@
             <a:gdLst/>
             <a:ahLst/>
             <a:cxnLst/>
+            <a:rect l="0" t="0" r="0" b="0"/>
             <a:pathLst>
               <a:path w="120000" h="120000" extrusionOk="0">
                 <a:moveTo>
@@ -295,7 +298,9 @@
       <p:sp>
         <p:nvSpPr>
           <p:cNvPr id="4" name="Shape 4"/>
-          <p:cNvSpPr txBox="1"/>
+          <p:cNvSpPr txBox="1">
+            <a:spLocks noGrp="1"/>
+          </p:cNvSpPr>
           <p:nvPr>
             <p:ph type="body" idx="1"/>
           </p:nvPr>
@@ -371,10 +376,17 @@
               <a:defRPr sz="1100"/>
             </a:lvl9pPr>
           </a:lstStyle>
-          <a:p/>
+          <a:p>
+            <a:endParaRPr/>
+          </a:p>
         </p:txBody>
       </p:sp>
     </p:spTree>
+    <p:extLst>
+      <p:ext uri="{BB962C8B-B14F-4D97-AF65-F5344CB8AC3E}">
+        <p14:creationId xmlns:p14="http://schemas.microsoft.com/office/powerpoint/2010/main" val="1935218705"/>
+      </p:ext>
+    </p:extLst>
   </p:cSld>
   <p:clrMap bg1="lt1" tx1="dk1" bg2="dk2" tx2="lt2" accent1="accent1" accent2="accent2" accent3="accent3" accent4="accent4" accent5="accent5" accent6="accent6" hlink="hlink" folHlink="folHlink"/>
   <p:notesStyle/>
@@ -382,11 +394,11 @@
 </file>
 
 <file path=ppt/notesSlides/notesSlide1.xml><?xml version="1.0" encoding="utf-8"?>
-<p:notes xmlns:a="http://schemas.openxmlformats.org/drawingml/2006/main" xmlns:r="http://schemas.openxmlformats.org/officeDocument/2006/relationships" xmlns:p="http://schemas.openxmlformats.org/presentationml/2006/main" showMasterPhAnim="0" showMasterSp="0">
+<p:notes xmlns:a="http://schemas.openxmlformats.org/drawingml/2006/main" xmlns:r="http://schemas.openxmlformats.org/officeDocument/2006/relationships" xmlns:p="http://schemas.openxmlformats.org/presentationml/2006/main" showMasterSp="0" showMasterPhAnim="0">
   <p:cSld>
     <p:spTree>
       <p:nvGrpSpPr>
-        <p:cNvPr id="50" name="Shape 50"/>
+        <p:cNvPr id="1" name="Shape 50"/>
         <p:cNvGrpSpPr/>
         <p:nvPr/>
       </p:nvGrpSpPr>
@@ -401,7 +413,9 @@
       <p:sp>
         <p:nvSpPr>
           <p:cNvPr id="51" name="Shape 51"/>
-          <p:cNvSpPr/>
+          <p:cNvSpPr>
+            <a:spLocks noGrp="1" noRot="1" noChangeAspect="1"/>
+          </p:cNvSpPr>
           <p:nvPr>
             <p:ph type="sldImg" idx="2"/>
           </p:nvPr>
@@ -416,6 +430,7 @@
             <a:gdLst/>
             <a:ahLst/>
             <a:cxnLst/>
+            <a:rect l="0" t="0" r="0" b="0"/>
             <a:pathLst>
               <a:path w="120000" h="120000" extrusionOk="0">
                 <a:moveTo>
@@ -439,7 +454,9 @@
       <p:sp>
         <p:nvSpPr>
           <p:cNvPr id="52" name="Shape 52"/>
-          <p:cNvSpPr txBox="1"/>
+          <p:cNvSpPr txBox="1">
+            <a:spLocks noGrp="1"/>
+          </p:cNvSpPr>
           <p:nvPr>
             <p:ph type="body" idx="1"/>
           </p:nvPr>
@@ -465,10 +482,16 @@
               </a:spcBef>
               <a:buNone/>
             </a:pPr>
+            <a:endParaRPr/>
           </a:p>
         </p:txBody>
       </p:sp>
     </p:spTree>
+    <p:extLst>
+      <p:ext uri="{BB962C8B-B14F-4D97-AF65-F5344CB8AC3E}">
+        <p14:creationId xmlns:p14="http://schemas.microsoft.com/office/powerpoint/2010/main" val="4249539187"/>
+      </p:ext>
+    </p:extLst>
   </p:cSld>
   <p:clrMapOvr>
     <a:masterClrMapping/>
@@ -477,11 +500,11 @@
 </file>
 
 <file path=ppt/notesSlides/notesSlide2.xml><?xml version="1.0" encoding="utf-8"?>
-<p:notes xmlns:a="http://schemas.openxmlformats.org/drawingml/2006/main" xmlns:r="http://schemas.openxmlformats.org/officeDocument/2006/relationships" xmlns:p="http://schemas.openxmlformats.org/presentationml/2006/main" showMasterPhAnim="0" showMasterSp="0">
+<p:notes xmlns:a="http://schemas.openxmlformats.org/drawingml/2006/main" xmlns:r="http://schemas.openxmlformats.org/officeDocument/2006/relationships" xmlns:p="http://schemas.openxmlformats.org/presentationml/2006/main" showMasterSp="0" showMasterPhAnim="0">
   <p:cSld>
     <p:spTree>
       <p:nvGrpSpPr>
-        <p:cNvPr id="56" name="Shape 56"/>
+        <p:cNvPr id="1" name="Shape 56"/>
         <p:cNvGrpSpPr/>
         <p:nvPr/>
       </p:nvGrpSpPr>
@@ -496,14 +519,16 @@
       <p:sp>
         <p:nvSpPr>
           <p:cNvPr id="57" name="Shape 57"/>
-          <p:cNvSpPr/>
+          <p:cNvSpPr>
+            <a:spLocks noGrp="1" noRot="1" noChangeAspect="1"/>
+          </p:cNvSpPr>
           <p:nvPr>
             <p:ph type="sldImg" idx="2"/>
           </p:nvPr>
         </p:nvSpPr>
         <p:spPr>
           <a:xfrm>
-            <a:off x="381300" y="685800"/>
+            <a:off x="381000" y="685800"/>
             <a:ext cx="6096000" cy="3429000"/>
           </a:xfrm>
           <a:custGeom>
@@ -511,6 +536,7 @@
             <a:gdLst/>
             <a:ahLst/>
             <a:cxnLst/>
+            <a:rect l="0" t="0" r="0" b="0"/>
             <a:pathLst>
               <a:path w="120000" h="120000" extrusionOk="0">
                 <a:moveTo>
@@ -534,7 +560,9 @@
       <p:sp>
         <p:nvSpPr>
           <p:cNvPr id="58" name="Shape 58"/>
-          <p:cNvSpPr txBox="1"/>
+          <p:cNvSpPr txBox="1">
+            <a:spLocks noGrp="1"/>
+          </p:cNvSpPr>
           <p:nvPr>
             <p:ph type="body" idx="1"/>
           </p:nvPr>
@@ -564,11 +592,15 @@
               <a:rPr lang="en-GB"/>
               <a:t>定义类的属性有两种方法，一个是直接在类里定义的属性，这样定义的属性，是被这个类所有的对象所共享的</a:t>
             </a:r>
-            <a:endParaRPr lang="en-GB"/>
           </a:p>
         </p:txBody>
       </p:sp>
     </p:spTree>
+    <p:extLst>
+      <p:ext uri="{BB962C8B-B14F-4D97-AF65-F5344CB8AC3E}">
+        <p14:creationId xmlns:p14="http://schemas.microsoft.com/office/powerpoint/2010/main" val="1712837402"/>
+      </p:ext>
+    </p:extLst>
   </p:cSld>
   <p:clrMapOvr>
     <a:masterClrMapping/>
@@ -577,11 +609,11 @@
 </file>
 
 <file path=ppt/notesSlides/notesSlide3.xml><?xml version="1.0" encoding="utf-8"?>
-<p:notes xmlns:a="http://schemas.openxmlformats.org/drawingml/2006/main" xmlns:r="http://schemas.openxmlformats.org/officeDocument/2006/relationships" xmlns:p="http://schemas.openxmlformats.org/presentationml/2006/main" showMasterPhAnim="0" showMasterSp="0">
+<p:notes xmlns:a="http://schemas.openxmlformats.org/drawingml/2006/main" xmlns:r="http://schemas.openxmlformats.org/officeDocument/2006/relationships" xmlns:p="http://schemas.openxmlformats.org/presentationml/2006/main" showMasterSp="0" showMasterPhAnim="0">
   <p:cSld>
     <p:spTree>
       <p:nvGrpSpPr>
-        <p:cNvPr id="62" name="Shape 62"/>
+        <p:cNvPr id="1" name="Shape 62"/>
         <p:cNvGrpSpPr/>
         <p:nvPr/>
       </p:nvGrpSpPr>
@@ -596,14 +628,16 @@
       <p:sp>
         <p:nvSpPr>
           <p:cNvPr id="63" name="Shape 63"/>
-          <p:cNvSpPr/>
+          <p:cNvSpPr>
+            <a:spLocks noGrp="1" noRot="1" noChangeAspect="1"/>
+          </p:cNvSpPr>
           <p:nvPr>
             <p:ph type="sldImg" idx="2"/>
           </p:nvPr>
         </p:nvSpPr>
         <p:spPr>
           <a:xfrm>
-            <a:off x="381300" y="685800"/>
+            <a:off x="381000" y="685800"/>
             <a:ext cx="6096000" cy="3429000"/>
           </a:xfrm>
           <a:custGeom>
@@ -611,6 +645,7 @@
             <a:gdLst/>
             <a:ahLst/>
             <a:cxnLst/>
+            <a:rect l="0" t="0" r="0" b="0"/>
             <a:pathLst>
               <a:path w="120000" h="120000" extrusionOk="0">
                 <a:moveTo>
@@ -634,7 +669,9 @@
       <p:sp>
         <p:nvSpPr>
           <p:cNvPr id="64" name="Shape 64"/>
-          <p:cNvSpPr txBox="1"/>
+          <p:cNvSpPr txBox="1">
+            <a:spLocks noGrp="1"/>
+          </p:cNvSpPr>
           <p:nvPr>
             <p:ph type="body" idx="1"/>
           </p:nvPr>
@@ -666,13 +703,15 @@
               </a:rPr>
               <a:t>还有一种方式就是在构造函数里定义，这样属性是属于独立的不同对象的</a:t>
             </a:r>
-            <a:endParaRPr lang="zh-CN">
-              <a:ea typeface="宋体" charset="0"/>
-            </a:endParaRPr>
           </a:p>
         </p:txBody>
       </p:sp>
     </p:spTree>
+    <p:extLst>
+      <p:ext uri="{BB962C8B-B14F-4D97-AF65-F5344CB8AC3E}">
+        <p14:creationId xmlns:p14="http://schemas.microsoft.com/office/powerpoint/2010/main" val="2478940123"/>
+      </p:ext>
+    </p:extLst>
   </p:cSld>
   <p:clrMapOvr>
     <a:masterClrMapping/>
@@ -681,11 +720,11 @@
 </file>
 
 <file path=ppt/notesSlides/notesSlide4.xml><?xml version="1.0" encoding="utf-8"?>
-<p:notes xmlns:a="http://schemas.openxmlformats.org/drawingml/2006/main" xmlns:r="http://schemas.openxmlformats.org/officeDocument/2006/relationships" xmlns:p="http://schemas.openxmlformats.org/presentationml/2006/main" showMasterPhAnim="0" showMasterSp="0">
+<p:notes xmlns:a="http://schemas.openxmlformats.org/drawingml/2006/main" xmlns:r="http://schemas.openxmlformats.org/officeDocument/2006/relationships" xmlns:p="http://schemas.openxmlformats.org/presentationml/2006/main" showMasterSp="0" showMasterPhAnim="0">
   <p:cSld>
     <p:spTree>
       <p:nvGrpSpPr>
-        <p:cNvPr id="68" name="Shape 68"/>
+        <p:cNvPr id="1" name="Shape 68"/>
         <p:cNvGrpSpPr/>
         <p:nvPr/>
       </p:nvGrpSpPr>
@@ -700,14 +739,16 @@
       <p:sp>
         <p:nvSpPr>
           <p:cNvPr id="69" name="Shape 69"/>
-          <p:cNvSpPr/>
+          <p:cNvSpPr>
+            <a:spLocks noGrp="1" noRot="1" noChangeAspect="1"/>
+          </p:cNvSpPr>
           <p:nvPr>
             <p:ph type="sldImg" idx="2"/>
           </p:nvPr>
         </p:nvSpPr>
         <p:spPr>
           <a:xfrm>
-            <a:off x="381300" y="685800"/>
+            <a:off x="381000" y="685800"/>
             <a:ext cx="6096000" cy="3429000"/>
           </a:xfrm>
           <a:custGeom>
@@ -715,6 +756,7 @@
             <a:gdLst/>
             <a:ahLst/>
             <a:cxnLst/>
+            <a:rect l="0" t="0" r="0" b="0"/>
             <a:pathLst>
               <a:path w="120000" h="120000" extrusionOk="0">
                 <a:moveTo>
@@ -738,7 +780,9 @@
       <p:sp>
         <p:nvSpPr>
           <p:cNvPr id="70" name="Shape 70"/>
-          <p:cNvSpPr txBox="1"/>
+          <p:cNvSpPr txBox="1">
+            <a:spLocks noGrp="1"/>
+          </p:cNvSpPr>
           <p:nvPr>
             <p:ph type="body" idx="1"/>
           </p:nvPr>
@@ -768,11 +812,15 @@
               <a:rPr lang="en-GB"/>
               <a:t>在一些别的面向对象语言里，对于属性的访问还可以在定义的时候进行控制</a:t>
             </a:r>
-            <a:endParaRPr lang="en-GB"/>
           </a:p>
         </p:txBody>
       </p:sp>
     </p:spTree>
+    <p:extLst>
+      <p:ext uri="{BB962C8B-B14F-4D97-AF65-F5344CB8AC3E}">
+        <p14:creationId xmlns:p14="http://schemas.microsoft.com/office/powerpoint/2010/main" val="3280934576"/>
+      </p:ext>
+    </p:extLst>
   </p:cSld>
   <p:clrMapOvr>
     <a:masterClrMapping/>
@@ -781,11 +829,11 @@
 </file>
 
 <file path=ppt/notesSlides/notesSlide5.xml><?xml version="1.0" encoding="utf-8"?>
-<p:notes xmlns:a="http://schemas.openxmlformats.org/drawingml/2006/main" xmlns:r="http://schemas.openxmlformats.org/officeDocument/2006/relationships" xmlns:p="http://schemas.openxmlformats.org/presentationml/2006/main" showMasterPhAnim="0" showMasterSp="0">
+<p:notes xmlns:a="http://schemas.openxmlformats.org/drawingml/2006/main" xmlns:r="http://schemas.openxmlformats.org/officeDocument/2006/relationships" xmlns:p="http://schemas.openxmlformats.org/presentationml/2006/main" showMasterSp="0" showMasterPhAnim="0">
   <p:cSld>
     <p:spTree>
       <p:nvGrpSpPr>
-        <p:cNvPr id="74" name="Shape 74"/>
+        <p:cNvPr id="1" name="Shape 74"/>
         <p:cNvGrpSpPr/>
         <p:nvPr/>
       </p:nvGrpSpPr>
@@ -800,14 +848,16 @@
       <p:sp>
         <p:nvSpPr>
           <p:cNvPr id="75" name="Shape 75"/>
-          <p:cNvSpPr/>
+          <p:cNvSpPr>
+            <a:spLocks noGrp="1" noRot="1" noChangeAspect="1"/>
+          </p:cNvSpPr>
           <p:nvPr>
             <p:ph type="sldImg" idx="2"/>
           </p:nvPr>
         </p:nvSpPr>
         <p:spPr>
           <a:xfrm>
-            <a:off x="381300" y="685800"/>
+            <a:off x="381000" y="685800"/>
             <a:ext cx="6096000" cy="3429000"/>
           </a:xfrm>
           <a:custGeom>
@@ -815,6 +865,7 @@
             <a:gdLst/>
             <a:ahLst/>
             <a:cxnLst/>
+            <a:rect l="0" t="0" r="0" b="0"/>
             <a:pathLst>
               <a:path w="120000" h="120000" extrusionOk="0">
                 <a:moveTo>
@@ -838,7 +889,9 @@
       <p:sp>
         <p:nvSpPr>
           <p:cNvPr id="76" name="Shape 76"/>
-          <p:cNvSpPr txBox="1"/>
+          <p:cNvSpPr txBox="1">
+            <a:spLocks noGrp="1"/>
+          </p:cNvSpPr>
           <p:nvPr>
             <p:ph type="body" idx="1"/>
           </p:nvPr>
@@ -868,11 +921,15 @@
               <a:rPr lang="en-GB"/>
               <a:t>这个例子里说明的是在Python 的构造函数里，不同访问控制的属性的定义方法。一般来说，在定义的时候，属性名前没有下划线的，代表公开的。有下划线的，代表私有的。但这是由Python的编程规范来约束，其实在程序里是可以访问的。随后一种变量名前面两个下划线，能够实现某种意义上的访问控制，但它在这里其实只是玩了个花样，下面会用一个例子来说明</a:t>
             </a:r>
-            <a:endParaRPr lang="en-GB"/>
           </a:p>
         </p:txBody>
       </p:sp>
     </p:spTree>
+    <p:extLst>
+      <p:ext uri="{BB962C8B-B14F-4D97-AF65-F5344CB8AC3E}">
+        <p14:creationId xmlns:p14="http://schemas.microsoft.com/office/powerpoint/2010/main" val="3293577500"/>
+      </p:ext>
+    </p:extLst>
   </p:cSld>
   <p:clrMapOvr>
     <a:masterClrMapping/>
@@ -885,7 +942,7 @@
   <p:cSld name="Title slide">
     <p:spTree>
       <p:nvGrpSpPr>
-        <p:cNvPr id="9" name="Shape 9"/>
+        <p:cNvPr id="1" name="Shape 9"/>
         <p:cNvGrpSpPr/>
         <p:nvPr/>
       </p:nvGrpSpPr>
@@ -900,7 +957,9 @@
       <p:sp>
         <p:nvSpPr>
           <p:cNvPr id="10" name="Shape 10"/>
-          <p:cNvSpPr txBox="1"/>
+          <p:cNvSpPr txBox="1">
+            <a:spLocks noGrp="1"/>
+          </p:cNvSpPr>
           <p:nvPr>
             <p:ph type="ctrTitle"/>
           </p:nvPr>
@@ -981,13 +1040,17 @@
               <a:defRPr sz="5200"/>
             </a:lvl9pPr>
           </a:lstStyle>
-          <a:p/>
+          <a:p>
+            <a:endParaRPr/>
+          </a:p>
         </p:txBody>
       </p:sp>
       <p:sp>
         <p:nvSpPr>
           <p:cNvPr id="11" name="Shape 11"/>
-          <p:cNvSpPr txBox="1"/>
+          <p:cNvSpPr txBox="1">
+            <a:spLocks noGrp="1"/>
+          </p:cNvSpPr>
           <p:nvPr>
             <p:ph type="subTitle" idx="1"/>
           </p:nvPr>
@@ -1131,13 +1194,17 @@
               <a:defRPr sz="2800"/>
             </a:lvl9pPr>
           </a:lstStyle>
-          <a:p/>
+          <a:p>
+            <a:endParaRPr/>
+          </a:p>
         </p:txBody>
       </p:sp>
       <p:sp>
         <p:nvSpPr>
           <p:cNvPr id="12" name="Shape 12"/>
-          <p:cNvSpPr txBox="1"/>
+          <p:cNvSpPr txBox="1">
+            <a:spLocks noGrp="1"/>
+          </p:cNvSpPr>
           <p:nvPr>
             <p:ph type="sldNum" idx="12"/>
           </p:nvPr>
@@ -1165,6 +1232,7 @@
             </a:pPr>
             <a:fld id="{00000000-1234-1234-1234-123412341234}" type="slidenum">
               <a:rPr lang="en-GB"/>
+              <a:t>‹#›</a:t>
             </a:fld>
             <a:endParaRPr lang="en-GB"/>
           </a:p>
@@ -1183,7 +1251,7 @@
   <p:cSld name="Big number">
     <p:spTree>
       <p:nvGrpSpPr>
-        <p:cNvPr id="44" name="Shape 44"/>
+        <p:cNvPr id="1" name="Shape 44"/>
         <p:cNvGrpSpPr/>
         <p:nvPr/>
       </p:nvGrpSpPr>
@@ -1198,7 +1266,9 @@
       <p:sp>
         <p:nvSpPr>
           <p:cNvPr id="45" name="Shape 45"/>
-          <p:cNvSpPr txBox="1"/>
+          <p:cNvSpPr txBox="1">
+            <a:spLocks noGrp="1"/>
+          </p:cNvSpPr>
           <p:nvPr>
             <p:ph type="title"/>
           </p:nvPr>
@@ -1279,13 +1349,17 @@
               <a:defRPr sz="12000"/>
             </a:lvl9pPr>
           </a:lstStyle>
-          <a:p/>
+          <a:p>
+            <a:endParaRPr/>
+          </a:p>
         </p:txBody>
       </p:sp>
       <p:sp>
         <p:nvSpPr>
           <p:cNvPr id="46" name="Shape 46"/>
-          <p:cNvSpPr txBox="1"/>
+          <p:cNvSpPr txBox="1">
+            <a:spLocks noGrp="1"/>
+          </p:cNvSpPr>
           <p:nvPr>
             <p:ph type="body" idx="1"/>
           </p:nvPr>
@@ -1357,13 +1431,17 @@
               <a:defRPr/>
             </a:lvl9pPr>
           </a:lstStyle>
-          <a:p/>
+          <a:p>
+            <a:endParaRPr/>
+          </a:p>
         </p:txBody>
       </p:sp>
       <p:sp>
         <p:nvSpPr>
           <p:cNvPr id="47" name="Shape 47"/>
-          <p:cNvSpPr txBox="1"/>
+          <p:cNvSpPr txBox="1">
+            <a:spLocks noGrp="1"/>
+          </p:cNvSpPr>
           <p:nvPr>
             <p:ph type="sldNum" idx="12"/>
           </p:nvPr>
@@ -1391,6 +1469,7 @@
             </a:pPr>
             <a:fld id="{00000000-1234-1234-1234-123412341234}" type="slidenum">
               <a:rPr lang="en-GB"/>
+              <a:t>‹#›</a:t>
             </a:fld>
             <a:endParaRPr lang="en-GB"/>
           </a:p>
@@ -1409,7 +1488,7 @@
   <p:cSld name="Blank">
     <p:spTree>
       <p:nvGrpSpPr>
-        <p:cNvPr id="48" name="Shape 48"/>
+        <p:cNvPr id="1" name="Shape 48"/>
         <p:cNvGrpSpPr/>
         <p:nvPr/>
       </p:nvGrpSpPr>
@@ -1424,7 +1503,9 @@
       <p:sp>
         <p:nvSpPr>
           <p:cNvPr id="49" name="Shape 49"/>
-          <p:cNvSpPr txBox="1"/>
+          <p:cNvSpPr txBox="1">
+            <a:spLocks noGrp="1"/>
+          </p:cNvSpPr>
           <p:nvPr>
             <p:ph type="sldNum" idx="12"/>
           </p:nvPr>
@@ -1452,6 +1533,7 @@
             </a:pPr>
             <a:fld id="{00000000-1234-1234-1234-123412341234}" type="slidenum">
               <a:rPr lang="en-GB"/>
+              <a:t>‹#›</a:t>
             </a:fld>
             <a:endParaRPr lang="en-GB"/>
           </a:p>
@@ -1470,7 +1552,7 @@
   <p:cSld name="Section header">
     <p:spTree>
       <p:nvGrpSpPr>
-        <p:cNvPr id="13" name="Shape 13"/>
+        <p:cNvPr id="1" name="Shape 13"/>
         <p:cNvGrpSpPr/>
         <p:nvPr/>
       </p:nvGrpSpPr>
@@ -1485,7 +1567,9 @@
       <p:sp>
         <p:nvSpPr>
           <p:cNvPr id="14" name="Shape 14"/>
-          <p:cNvSpPr txBox="1"/>
+          <p:cNvSpPr txBox="1">
+            <a:spLocks noGrp="1"/>
+          </p:cNvSpPr>
           <p:nvPr>
             <p:ph type="title"/>
           </p:nvPr>
@@ -1566,13 +1650,17 @@
               <a:defRPr sz="3600"/>
             </a:lvl9pPr>
           </a:lstStyle>
-          <a:p/>
+          <a:p>
+            <a:endParaRPr/>
+          </a:p>
         </p:txBody>
       </p:sp>
       <p:sp>
         <p:nvSpPr>
           <p:cNvPr id="15" name="Shape 15"/>
-          <p:cNvSpPr txBox="1"/>
+          <p:cNvSpPr txBox="1">
+            <a:spLocks noGrp="1"/>
+          </p:cNvSpPr>
           <p:nvPr>
             <p:ph type="sldNum" idx="12"/>
           </p:nvPr>
@@ -1600,6 +1688,7 @@
             </a:pPr>
             <a:fld id="{00000000-1234-1234-1234-123412341234}" type="slidenum">
               <a:rPr lang="en-GB"/>
+              <a:t>‹#›</a:t>
             </a:fld>
             <a:endParaRPr lang="en-GB"/>
           </a:p>
@@ -1618,7 +1707,7 @@
   <p:cSld name="Title and body">
     <p:spTree>
       <p:nvGrpSpPr>
-        <p:cNvPr id="16" name="Shape 16"/>
+        <p:cNvPr id="1" name="Shape 16"/>
         <p:cNvGrpSpPr/>
         <p:nvPr/>
       </p:nvGrpSpPr>
@@ -1633,7 +1722,9 @@
       <p:sp>
         <p:nvSpPr>
           <p:cNvPr id="17" name="Shape 17"/>
-          <p:cNvSpPr txBox="1"/>
+          <p:cNvSpPr txBox="1">
+            <a:spLocks noGrp="1"/>
+          </p:cNvSpPr>
           <p:nvPr>
             <p:ph type="title"/>
           </p:nvPr>
@@ -1705,13 +1796,17 @@
               <a:defRPr/>
             </a:lvl9pPr>
           </a:lstStyle>
-          <a:p/>
+          <a:p>
+            <a:endParaRPr/>
+          </a:p>
         </p:txBody>
       </p:sp>
       <p:sp>
         <p:nvSpPr>
           <p:cNvPr id="18" name="Shape 18"/>
-          <p:cNvSpPr txBox="1"/>
+          <p:cNvSpPr txBox="1">
+            <a:spLocks noGrp="1"/>
+          </p:cNvSpPr>
           <p:nvPr>
             <p:ph type="body" idx="1"/>
           </p:nvPr>
@@ -1783,13 +1878,17 @@
               <a:defRPr/>
             </a:lvl9pPr>
           </a:lstStyle>
-          <a:p/>
+          <a:p>
+            <a:endParaRPr/>
+          </a:p>
         </p:txBody>
       </p:sp>
       <p:sp>
         <p:nvSpPr>
           <p:cNvPr id="19" name="Shape 19"/>
-          <p:cNvSpPr txBox="1"/>
+          <p:cNvSpPr txBox="1">
+            <a:spLocks noGrp="1"/>
+          </p:cNvSpPr>
           <p:nvPr>
             <p:ph type="sldNum" idx="12"/>
           </p:nvPr>
@@ -1817,6 +1916,7 @@
             </a:pPr>
             <a:fld id="{00000000-1234-1234-1234-123412341234}" type="slidenum">
               <a:rPr lang="en-GB"/>
+              <a:t>‹#›</a:t>
             </a:fld>
             <a:endParaRPr lang="en-GB"/>
           </a:p>
@@ -1835,7 +1935,7 @@
   <p:cSld name="Title and two columns">
     <p:spTree>
       <p:nvGrpSpPr>
-        <p:cNvPr id="20" name="Shape 20"/>
+        <p:cNvPr id="1" name="Shape 20"/>
         <p:cNvGrpSpPr/>
         <p:nvPr/>
       </p:nvGrpSpPr>
@@ -1850,7 +1950,9 @@
       <p:sp>
         <p:nvSpPr>
           <p:cNvPr id="21" name="Shape 21"/>
-          <p:cNvSpPr txBox="1"/>
+          <p:cNvSpPr txBox="1">
+            <a:spLocks noGrp="1"/>
+          </p:cNvSpPr>
           <p:nvPr>
             <p:ph type="title"/>
           </p:nvPr>
@@ -1922,13 +2024,17 @@
               <a:defRPr/>
             </a:lvl9pPr>
           </a:lstStyle>
-          <a:p/>
+          <a:p>
+            <a:endParaRPr/>
+          </a:p>
         </p:txBody>
       </p:sp>
       <p:sp>
         <p:nvSpPr>
           <p:cNvPr id="22" name="Shape 22"/>
-          <p:cNvSpPr txBox="1"/>
+          <p:cNvSpPr txBox="1">
+            <a:spLocks noGrp="1"/>
+          </p:cNvSpPr>
           <p:nvPr>
             <p:ph type="body" idx="1"/>
           </p:nvPr>
@@ -2009,13 +2115,17 @@
               <a:defRPr sz="1200"/>
             </a:lvl9pPr>
           </a:lstStyle>
-          <a:p/>
+          <a:p>
+            <a:endParaRPr/>
+          </a:p>
         </p:txBody>
       </p:sp>
       <p:sp>
         <p:nvSpPr>
           <p:cNvPr id="23" name="Shape 23"/>
-          <p:cNvSpPr txBox="1"/>
+          <p:cNvSpPr txBox="1">
+            <a:spLocks noGrp="1"/>
+          </p:cNvSpPr>
           <p:nvPr>
             <p:ph type="body" idx="2"/>
           </p:nvPr>
@@ -2096,13 +2206,17 @@
               <a:defRPr sz="1200"/>
             </a:lvl9pPr>
           </a:lstStyle>
-          <a:p/>
+          <a:p>
+            <a:endParaRPr/>
+          </a:p>
         </p:txBody>
       </p:sp>
       <p:sp>
         <p:nvSpPr>
           <p:cNvPr id="24" name="Shape 24"/>
-          <p:cNvSpPr txBox="1"/>
+          <p:cNvSpPr txBox="1">
+            <a:spLocks noGrp="1"/>
+          </p:cNvSpPr>
           <p:nvPr>
             <p:ph type="sldNum" idx="12"/>
           </p:nvPr>
@@ -2130,6 +2244,7 @@
             </a:pPr>
             <a:fld id="{00000000-1234-1234-1234-123412341234}" type="slidenum">
               <a:rPr lang="en-GB"/>
+              <a:t>‹#›</a:t>
             </a:fld>
             <a:endParaRPr lang="en-GB"/>
           </a:p>
@@ -2148,7 +2263,7 @@
   <p:cSld name="Title only">
     <p:spTree>
       <p:nvGrpSpPr>
-        <p:cNvPr id="25" name="Shape 25"/>
+        <p:cNvPr id="1" name="Shape 25"/>
         <p:cNvGrpSpPr/>
         <p:nvPr/>
       </p:nvGrpSpPr>
@@ -2163,7 +2278,9 @@
       <p:sp>
         <p:nvSpPr>
           <p:cNvPr id="26" name="Shape 26"/>
-          <p:cNvSpPr txBox="1"/>
+          <p:cNvSpPr txBox="1">
+            <a:spLocks noGrp="1"/>
+          </p:cNvSpPr>
           <p:nvPr>
             <p:ph type="title"/>
           </p:nvPr>
@@ -2235,13 +2352,17 @@
               <a:defRPr/>
             </a:lvl9pPr>
           </a:lstStyle>
-          <a:p/>
+          <a:p>
+            <a:endParaRPr/>
+          </a:p>
         </p:txBody>
       </p:sp>
       <p:sp>
         <p:nvSpPr>
           <p:cNvPr id="27" name="Shape 27"/>
-          <p:cNvSpPr txBox="1"/>
+          <p:cNvSpPr txBox="1">
+            <a:spLocks noGrp="1"/>
+          </p:cNvSpPr>
           <p:nvPr>
             <p:ph type="sldNum" idx="12"/>
           </p:nvPr>
@@ -2269,6 +2390,7 @@
             </a:pPr>
             <a:fld id="{00000000-1234-1234-1234-123412341234}" type="slidenum">
               <a:rPr lang="en-GB"/>
+              <a:t>‹#›</a:t>
             </a:fld>
             <a:endParaRPr lang="en-GB"/>
           </a:p>
@@ -2287,7 +2409,7 @@
   <p:cSld name="One column text">
     <p:spTree>
       <p:nvGrpSpPr>
-        <p:cNvPr id="28" name="Shape 28"/>
+        <p:cNvPr id="1" name="Shape 28"/>
         <p:cNvGrpSpPr/>
         <p:nvPr/>
       </p:nvGrpSpPr>
@@ -2302,7 +2424,9 @@
       <p:sp>
         <p:nvSpPr>
           <p:cNvPr id="29" name="Shape 29"/>
-          <p:cNvSpPr txBox="1"/>
+          <p:cNvSpPr txBox="1">
+            <a:spLocks noGrp="1"/>
+          </p:cNvSpPr>
           <p:nvPr>
             <p:ph type="title"/>
           </p:nvPr>
@@ -2383,13 +2507,17 @@
               <a:defRPr sz="2400"/>
             </a:lvl9pPr>
           </a:lstStyle>
-          <a:p/>
+          <a:p>
+            <a:endParaRPr/>
+          </a:p>
         </p:txBody>
       </p:sp>
       <p:sp>
         <p:nvSpPr>
           <p:cNvPr id="30" name="Shape 30"/>
-          <p:cNvSpPr txBox="1"/>
+          <p:cNvSpPr txBox="1">
+            <a:spLocks noGrp="1"/>
+          </p:cNvSpPr>
           <p:nvPr>
             <p:ph type="body" idx="1"/>
           </p:nvPr>
@@ -2470,13 +2598,17 @@
               <a:defRPr sz="1200"/>
             </a:lvl9pPr>
           </a:lstStyle>
-          <a:p/>
+          <a:p>
+            <a:endParaRPr/>
+          </a:p>
         </p:txBody>
       </p:sp>
       <p:sp>
         <p:nvSpPr>
           <p:cNvPr id="31" name="Shape 31"/>
-          <p:cNvSpPr txBox="1"/>
+          <p:cNvSpPr txBox="1">
+            <a:spLocks noGrp="1"/>
+          </p:cNvSpPr>
           <p:nvPr>
             <p:ph type="sldNum" idx="12"/>
           </p:nvPr>
@@ -2504,6 +2636,7 @@
             </a:pPr>
             <a:fld id="{00000000-1234-1234-1234-123412341234}" type="slidenum">
               <a:rPr lang="en-GB"/>
+              <a:t>‹#›</a:t>
             </a:fld>
             <a:endParaRPr lang="en-GB"/>
           </a:p>
@@ -2522,7 +2655,7 @@
   <p:cSld name="Main point">
     <p:spTree>
       <p:nvGrpSpPr>
-        <p:cNvPr id="32" name="Shape 32"/>
+        <p:cNvPr id="1" name="Shape 32"/>
         <p:cNvGrpSpPr/>
         <p:nvPr/>
       </p:nvGrpSpPr>
@@ -2537,7 +2670,9 @@
       <p:sp>
         <p:nvSpPr>
           <p:cNvPr id="33" name="Shape 33"/>
-          <p:cNvSpPr txBox="1"/>
+          <p:cNvSpPr txBox="1">
+            <a:spLocks noGrp="1"/>
+          </p:cNvSpPr>
           <p:nvPr>
             <p:ph type="title"/>
           </p:nvPr>
@@ -2618,13 +2753,17 @@
               <a:defRPr sz="4800"/>
             </a:lvl9pPr>
           </a:lstStyle>
-          <a:p/>
+          <a:p>
+            <a:endParaRPr/>
+          </a:p>
         </p:txBody>
       </p:sp>
       <p:sp>
         <p:nvSpPr>
           <p:cNvPr id="34" name="Shape 34"/>
-          <p:cNvSpPr txBox="1"/>
+          <p:cNvSpPr txBox="1">
+            <a:spLocks noGrp="1"/>
+          </p:cNvSpPr>
           <p:nvPr>
             <p:ph type="sldNum" idx="12"/>
           </p:nvPr>
@@ -2652,6 +2791,7 @@
             </a:pPr>
             <a:fld id="{00000000-1234-1234-1234-123412341234}" type="slidenum">
               <a:rPr lang="en-GB"/>
+              <a:t>‹#›</a:t>
             </a:fld>
             <a:endParaRPr lang="en-GB"/>
           </a:p>
@@ -2670,7 +2810,7 @@
   <p:cSld name="Section title and description">
     <p:spTree>
       <p:nvGrpSpPr>
-        <p:cNvPr id="35" name="Shape 35"/>
+        <p:cNvPr id="1" name="Shape 35"/>
         <p:cNvGrpSpPr/>
         <p:nvPr/>
       </p:nvGrpSpPr>
@@ -2715,13 +2855,16 @@
               </a:spcBef>
               <a:buNone/>
             </a:pPr>
+            <a:endParaRPr/>
           </a:p>
         </p:txBody>
       </p:sp>
       <p:sp>
         <p:nvSpPr>
           <p:cNvPr id="37" name="Shape 37"/>
-          <p:cNvSpPr txBox="1"/>
+          <p:cNvSpPr txBox="1">
+            <a:spLocks noGrp="1"/>
+          </p:cNvSpPr>
           <p:nvPr>
             <p:ph type="title"/>
           </p:nvPr>
@@ -2802,13 +2945,17 @@
               <a:defRPr sz="4200"/>
             </a:lvl9pPr>
           </a:lstStyle>
-          <a:p/>
+          <a:p>
+            <a:endParaRPr/>
+          </a:p>
         </p:txBody>
       </p:sp>
       <p:sp>
         <p:nvSpPr>
           <p:cNvPr id="38" name="Shape 38"/>
-          <p:cNvSpPr txBox="1"/>
+          <p:cNvSpPr txBox="1">
+            <a:spLocks noGrp="1"/>
+          </p:cNvSpPr>
           <p:nvPr>
             <p:ph type="subTitle" idx="1"/>
           </p:nvPr>
@@ -2952,13 +3099,17 @@
               <a:defRPr sz="2100"/>
             </a:lvl9pPr>
           </a:lstStyle>
-          <a:p/>
+          <a:p>
+            <a:endParaRPr/>
+          </a:p>
         </p:txBody>
       </p:sp>
       <p:sp>
         <p:nvSpPr>
           <p:cNvPr id="39" name="Shape 39"/>
-          <p:cNvSpPr txBox="1"/>
+          <p:cNvSpPr txBox="1">
+            <a:spLocks noGrp="1"/>
+          </p:cNvSpPr>
           <p:nvPr>
             <p:ph type="body" idx="2"/>
           </p:nvPr>
@@ -3030,13 +3181,17 @@
               <a:defRPr/>
             </a:lvl9pPr>
           </a:lstStyle>
-          <a:p/>
+          <a:p>
+            <a:endParaRPr/>
+          </a:p>
         </p:txBody>
       </p:sp>
       <p:sp>
         <p:nvSpPr>
           <p:cNvPr id="40" name="Shape 40"/>
-          <p:cNvSpPr txBox="1"/>
+          <p:cNvSpPr txBox="1">
+            <a:spLocks noGrp="1"/>
+          </p:cNvSpPr>
           <p:nvPr>
             <p:ph type="sldNum" idx="12"/>
           </p:nvPr>
@@ -3064,6 +3219,7 @@
             </a:pPr>
             <a:fld id="{00000000-1234-1234-1234-123412341234}" type="slidenum">
               <a:rPr lang="en-GB"/>
+              <a:t>‹#›</a:t>
             </a:fld>
             <a:endParaRPr lang="en-GB"/>
           </a:p>
@@ -3082,7 +3238,7 @@
   <p:cSld name="Caption">
     <p:spTree>
       <p:nvGrpSpPr>
-        <p:cNvPr id="41" name="Shape 41"/>
+        <p:cNvPr id="1" name="Shape 41"/>
         <p:cNvGrpSpPr/>
         <p:nvPr/>
       </p:nvGrpSpPr>
@@ -3097,7 +3253,9 @@
       <p:sp>
         <p:nvSpPr>
           <p:cNvPr id="42" name="Shape 42"/>
-          <p:cNvSpPr txBox="1"/>
+          <p:cNvSpPr txBox="1">
+            <a:spLocks noGrp="1"/>
+          </p:cNvSpPr>
           <p:nvPr>
             <p:ph type="body" idx="1"/>
           </p:nvPr>
@@ -3128,13 +3286,17 @@
               <a:defRPr/>
             </a:lvl1pPr>
           </a:lstStyle>
-          <a:p/>
+          <a:p>
+            <a:endParaRPr/>
+          </a:p>
         </p:txBody>
       </p:sp>
       <p:sp>
         <p:nvSpPr>
           <p:cNvPr id="43" name="Shape 43"/>
-          <p:cNvSpPr txBox="1"/>
+          <p:cNvSpPr txBox="1">
+            <a:spLocks noGrp="1"/>
+          </p:cNvSpPr>
           <p:nvPr>
             <p:ph type="sldNum" idx="12"/>
           </p:nvPr>
@@ -3162,6 +3324,7 @@
             </a:pPr>
             <a:fld id="{00000000-1234-1234-1234-123412341234}" type="slidenum">
               <a:rPr lang="en-GB"/>
+              <a:t>‹#›</a:t>
             </a:fld>
             <a:endParaRPr lang="en-GB"/>
           </a:p>
@@ -3188,7 +3351,7 @@
     </p:bg>
     <p:spTree>
       <p:nvGrpSpPr>
-        <p:cNvPr id="5" name="Shape 5"/>
+        <p:cNvPr id="1" name="Shape 5"/>
         <p:cNvGrpSpPr/>
         <p:nvPr/>
       </p:nvGrpSpPr>
@@ -3203,7 +3366,9 @@
       <p:sp>
         <p:nvSpPr>
           <p:cNvPr id="6" name="Shape 6"/>
-          <p:cNvSpPr txBox="1"/>
+          <p:cNvSpPr txBox="1">
+            <a:spLocks noGrp="1"/>
+          </p:cNvSpPr>
           <p:nvPr>
             <p:ph type="title"/>
           </p:nvPr>
@@ -3360,13 +3525,17 @@
               </a:defRPr>
             </a:lvl9pPr>
           </a:lstStyle>
-          <a:p/>
+          <a:p>
+            <a:endParaRPr/>
+          </a:p>
         </p:txBody>
       </p:sp>
       <p:sp>
         <p:nvSpPr>
           <p:cNvPr id="7" name="Shape 7"/>
-          <p:cNvSpPr txBox="1"/>
+          <p:cNvSpPr txBox="1">
+            <a:spLocks noGrp="1"/>
+          </p:cNvSpPr>
           <p:nvPr>
             <p:ph type="body" idx="1"/>
           </p:nvPr>
@@ -3560,13 +3729,17 @@
               </a:defRPr>
             </a:lvl9pPr>
           </a:lstStyle>
-          <a:p/>
+          <a:p>
+            <a:endParaRPr/>
+          </a:p>
         </p:txBody>
       </p:sp>
       <p:sp>
         <p:nvSpPr>
           <p:cNvPr id="8" name="Shape 8"/>
-          <p:cNvSpPr txBox="1"/>
+          <p:cNvSpPr txBox="1">
+            <a:spLocks noGrp="1"/>
+          </p:cNvSpPr>
           <p:nvPr>
             <p:ph type="sldNum" idx="12"/>
           </p:nvPr>
@@ -3602,6 +3775,7 @@
                   <a:schemeClr val="dk2"/>
                 </a:solidFill>
               </a:rPr>
+              <a:t>‹#›</a:t>
             </a:fld>
             <a:endParaRPr lang="en-GB" sz="1000">
               <a:solidFill>
@@ -4076,7 +4250,7 @@
   <p:cSld>
     <p:spTree>
       <p:nvGrpSpPr>
-        <p:cNvPr id="53" name="Shape 53"/>
+        <p:cNvPr id="1" name="Shape 53"/>
         <p:cNvGrpSpPr/>
         <p:nvPr/>
       </p:nvGrpSpPr>
@@ -4091,7 +4265,9 @@
       <p:sp>
         <p:nvSpPr>
           <p:cNvPr id="54" name="Shape 54"/>
-          <p:cNvSpPr txBox="1"/>
+          <p:cNvSpPr txBox="1">
+            <a:spLocks noGrp="1"/>
+          </p:cNvSpPr>
           <p:nvPr>
             <p:ph type="ctrTitle"/>
           </p:nvPr>
@@ -4118,7 +4294,7 @@
               <a:buNone/>
             </a:pPr>
             <a:r>
-              <a:rPr lang="en-GB" sz="3000" b="1">
+              <a:rPr lang="en-GB" sz="3000" b="1" dirty="0" err="1">
                 <a:solidFill>
                   <a:srgbClr val="C94251"/>
                 </a:solidFill>
@@ -4127,7 +4303,7 @@
               </a:rPr>
               <a:t>定义类的属性</a:t>
             </a:r>
-            <a:endParaRPr lang="en-GB" sz="3000" b="1">
+            <a:endParaRPr lang="en-GB" sz="3000" b="1" dirty="0">
               <a:solidFill>
                 <a:srgbClr val="C94251"/>
               </a:solidFill>
@@ -4140,7 +4316,9 @@
       <p:sp>
         <p:nvSpPr>
           <p:cNvPr id="55" name="Shape 55"/>
-          <p:cNvSpPr txBox="1"/>
+          <p:cNvSpPr txBox="1">
+            <a:spLocks noGrp="1"/>
+          </p:cNvSpPr>
           <p:nvPr>
             <p:ph type="subTitle" idx="1"/>
           </p:nvPr>
@@ -4166,6 +4344,7 @@
               </a:spcBef>
               <a:buNone/>
             </a:pPr>
+            <a:endParaRPr/>
           </a:p>
         </p:txBody>
       </p:sp>
@@ -4182,7 +4361,7 @@
   <p:cSld>
     <p:spTree>
       <p:nvGrpSpPr>
-        <p:cNvPr id="59" name="Shape 59"/>
+        <p:cNvPr id="1" name="Shape 59"/>
         <p:cNvGrpSpPr/>
         <p:nvPr/>
       </p:nvGrpSpPr>
@@ -4197,15 +4376,17 @@
       <p:sp>
         <p:nvSpPr>
           <p:cNvPr id="60" name="Shape 60"/>
-          <p:cNvSpPr txBox="1"/>
+          <p:cNvSpPr txBox="1">
+            <a:spLocks noGrp="1"/>
+          </p:cNvSpPr>
           <p:nvPr>
             <p:ph type="title"/>
           </p:nvPr>
         </p:nvSpPr>
         <p:spPr>
           <a:xfrm>
-            <a:off x="311700" y="445025"/>
-            <a:ext cx="8520600" cy="572700"/>
+            <a:off x="969112" y="1625389"/>
+            <a:ext cx="5288253" cy="517555"/>
           </a:xfrm>
           <a:prstGeom prst="rect">
             <a:avLst/>
@@ -4224,7 +4405,7 @@
               <a:buNone/>
             </a:pPr>
             <a:r>
-              <a:rPr lang="en-GB" sz="2200">
+              <a:rPr lang="en-GB" sz="2200" dirty="0" err="1">
                 <a:solidFill>
                   <a:srgbClr val="C94251"/>
                 </a:solidFill>
@@ -4233,7 +4414,7 @@
               </a:rPr>
               <a:t>直接在类里定义</a:t>
             </a:r>
-            <a:endParaRPr lang="en-GB" sz="2200">
+            <a:endParaRPr lang="en-GB" sz="2200" dirty="0">
               <a:solidFill>
                 <a:srgbClr val="C94251"/>
               </a:solidFill>
@@ -4246,15 +4427,17 @@
       <p:sp>
         <p:nvSpPr>
           <p:cNvPr id="61" name="Shape 61"/>
-          <p:cNvSpPr txBox="1"/>
+          <p:cNvSpPr txBox="1">
+            <a:spLocks noGrp="1"/>
+          </p:cNvSpPr>
           <p:nvPr>
             <p:ph type="body" idx="1"/>
           </p:nvPr>
         </p:nvSpPr>
         <p:spPr>
           <a:xfrm>
-            <a:off x="311700" y="1152475"/>
-            <a:ext cx="8520600" cy="3416400"/>
+            <a:off x="969112" y="2184779"/>
+            <a:ext cx="5485476" cy="1375572"/>
           </a:xfrm>
           <a:prstGeom prst="rect">
             <a:avLst/>
@@ -4284,7 +4467,7 @@
               <a:buNone/>
             </a:pPr>
             <a:r>
-              <a:rPr lang="en-GB" sz="1500">
+              <a:rPr lang="en-GB" sz="1500" dirty="0">
                 <a:solidFill>
                   <a:srgbClr val="FF5600"/>
                 </a:solidFill>
@@ -4299,7 +4482,7 @@
               <a:t>class</a:t>
             </a:r>
             <a:r>
-              <a:rPr lang="en-GB" sz="1500">
+              <a:rPr lang="en-GB" sz="1500" dirty="0">
                 <a:solidFill>
                   <a:schemeClr val="dk1"/>
                 </a:solidFill>
@@ -4314,7 +4497,7 @@
               <a:t> </a:t>
             </a:r>
             <a:r>
-              <a:rPr lang="en-GB" sz="1500">
+              <a:rPr lang="en-GB" sz="1500" dirty="0" err="1">
                 <a:solidFill>
                   <a:srgbClr val="21439C"/>
                 </a:solidFill>
@@ -4329,7 +4512,7 @@
               <a:t>Programer</a:t>
             </a:r>
             <a:r>
-              <a:rPr lang="en-GB" sz="1500">
+              <a:rPr lang="en-GB" sz="1500" dirty="0">
                 <a:solidFill>
                   <a:schemeClr val="dk1"/>
                 </a:solidFill>
@@ -4344,7 +4527,7 @@
               <a:t>(</a:t>
             </a:r>
             <a:r>
-              <a:rPr lang="en-GB" sz="1500">
+              <a:rPr lang="en-GB" sz="1500" dirty="0">
                 <a:solidFill>
                   <a:srgbClr val="A535AE"/>
                 </a:solidFill>
@@ -4359,7 +4542,7 @@
               <a:t>object</a:t>
             </a:r>
             <a:r>
-              <a:rPr lang="en-GB" sz="1500">
+              <a:rPr lang="en-GB" sz="1500" dirty="0">
                 <a:solidFill>
                   <a:schemeClr val="dk1"/>
                 </a:solidFill>
@@ -4374,7 +4557,7 @@
               <a:t>):</a:t>
             </a:r>
             <a:br>
-              <a:rPr lang="en-GB" sz="1500">
+              <a:rPr lang="en-GB" sz="1500" dirty="0">
                 <a:solidFill>
                   <a:schemeClr val="dk1"/>
                 </a:solidFill>
@@ -4388,7 +4571,7 @@
               </a:rPr>
             </a:br>
             <a:r>
-              <a:rPr lang="en-GB" sz="1500">
+              <a:rPr lang="en-GB" sz="1500" dirty="0">
                 <a:solidFill>
                   <a:schemeClr val="dk1"/>
                 </a:solidFill>
@@ -4403,7 +4586,7 @@
               <a:t>    sex </a:t>
             </a:r>
             <a:r>
-              <a:rPr lang="en-GB" sz="1500">
+              <a:rPr lang="en-GB" sz="1500" dirty="0">
                 <a:solidFill>
                   <a:srgbClr val="FF5600"/>
                 </a:solidFill>
@@ -4418,7 +4601,7 @@
               <a:t>=</a:t>
             </a:r>
             <a:r>
-              <a:rPr lang="en-GB" sz="1500">
+              <a:rPr lang="en-GB" sz="1500" dirty="0">
                 <a:solidFill>
                   <a:schemeClr val="dk1"/>
                 </a:solidFill>
@@ -4433,7 +4616,7 @@
               <a:t> </a:t>
             </a:r>
             <a:r>
-              <a:rPr lang="en-GB" sz="1500">
+              <a:rPr lang="en-GB" sz="1500" dirty="0">
                 <a:solidFill>
                   <a:srgbClr val="00A33F"/>
                 </a:solidFill>
@@ -4447,18 +4630,6 @@
               </a:rPr>
               <a:t>'male'</a:t>
             </a:r>
-            <a:endParaRPr lang="en-GB" sz="1500">
-              <a:solidFill>
-                <a:srgbClr val="00A33F"/>
-              </a:solidFill>
-              <a:highlight>
-                <a:srgbClr val="FFFFFF"/>
-              </a:highlight>
-              <a:latin typeface="Courier New"/>
-              <a:ea typeface="Courier New"/>
-              <a:cs typeface="Courier New"/>
-              <a:sym typeface="Courier New"/>
-            </a:endParaRPr>
           </a:p>
           <a:p>
             <a:pPr lvl="0">
@@ -4467,7 +4638,42 @@
               </a:spcBef>
               <a:buNone/>
             </a:pPr>
-            <a:endParaRPr sz="1500"/>
+            <a:endParaRPr sz="1500" dirty="0"/>
+          </a:p>
+        </p:txBody>
+      </p:sp>
+      <p:sp>
+        <p:nvSpPr>
+          <p:cNvPr id="2" name="矩形 1"/>
+          <p:cNvSpPr/>
+          <p:nvPr/>
+        </p:nvSpPr>
+        <p:spPr>
+          <a:xfrm>
+            <a:off x="3349387" y="666756"/>
+            <a:ext cx="2492990" cy="553998"/>
+          </a:xfrm>
+          <a:prstGeom prst="rect">
+            <a:avLst/>
+          </a:prstGeom>
+        </p:spPr>
+        <p:txBody>
+          <a:bodyPr wrap="none">
+            <a:spAutoFit/>
+          </a:bodyPr>
+          <a:lstStyle/>
+          <a:p>
+            <a:r>
+              <a:rPr lang="en-GB" altLang="zh-CN" sz="3000" b="1" dirty="0" err="1">
+                <a:solidFill>
+                  <a:srgbClr val="C94251"/>
+                </a:solidFill>
+                <a:latin typeface="微软雅黑" charset="0"/>
+                <a:ea typeface="微软雅黑" charset="0"/>
+              </a:rPr>
+              <a:t>定义类的属性</a:t>
+            </a:r>
+            <a:endParaRPr lang="zh-CN" altLang="en-US" sz="3000" dirty="0"/>
           </a:p>
         </p:txBody>
       </p:sp>
@@ -4543,14 +4749,14 @@
                 </p:childTnLst>
               </p:cTn>
               <p:prevCondLst>
-                <p:cond evt="onPrev">
+                <p:cond evt="onPrev" delay="0">
                   <p:tgtEl>
                     <p:sldTgt/>
                   </p:tgtEl>
                 </p:cond>
               </p:prevCondLst>
               <p:nextCondLst>
-                <p:cond evt="onNext">
+                <p:cond evt="onNext" delay="0">
                   <p:tgtEl>
                     <p:sldTgt/>
                   </p:tgtEl>
@@ -4570,7 +4776,7 @@
   <p:cSld>
     <p:spTree>
       <p:nvGrpSpPr>
-        <p:cNvPr id="65" name="Shape 65"/>
+        <p:cNvPr id="1" name="Shape 65"/>
         <p:cNvGrpSpPr/>
         <p:nvPr/>
       </p:nvGrpSpPr>
@@ -4585,15 +4791,17 @@
       <p:sp>
         <p:nvSpPr>
           <p:cNvPr id="66" name="Shape 66"/>
-          <p:cNvSpPr txBox="1"/>
+          <p:cNvSpPr txBox="1">
+            <a:spLocks noGrp="1"/>
+          </p:cNvSpPr>
           <p:nvPr>
             <p:ph type="title"/>
           </p:nvPr>
         </p:nvSpPr>
         <p:spPr>
           <a:xfrm>
-            <a:off x="311700" y="445025"/>
-            <a:ext cx="8520600" cy="572700"/>
+            <a:off x="957158" y="1293684"/>
+            <a:ext cx="6059218" cy="570975"/>
           </a:xfrm>
           <a:prstGeom prst="rect">
             <a:avLst/>
@@ -4612,7 +4820,7 @@
               <a:buNone/>
             </a:pPr>
             <a:r>
-              <a:rPr lang="en-GB" sz="2200">
+              <a:rPr lang="en-GB" sz="2200" dirty="0" err="1">
                 <a:solidFill>
                   <a:srgbClr val="C94251"/>
                 </a:solidFill>
@@ -4621,7 +4829,7 @@
               </a:rPr>
               <a:t>在构造函数里定义</a:t>
             </a:r>
-            <a:endParaRPr lang="en-GB" sz="2200">
+            <a:endParaRPr lang="en-GB" sz="2200" dirty="0">
               <a:solidFill>
                 <a:srgbClr val="C94251"/>
               </a:solidFill>
@@ -4634,15 +4842,17 @@
       <p:sp>
         <p:nvSpPr>
           <p:cNvPr id="67" name="Shape 67"/>
-          <p:cNvSpPr txBox="1"/>
+          <p:cNvSpPr txBox="1">
+            <a:spLocks noGrp="1"/>
+          </p:cNvSpPr>
           <p:nvPr>
             <p:ph type="body" idx="1"/>
           </p:nvPr>
         </p:nvSpPr>
         <p:spPr>
           <a:xfrm>
-            <a:off x="311700" y="1152475"/>
-            <a:ext cx="8520600" cy="3416400"/>
+            <a:off x="957158" y="1965275"/>
+            <a:ext cx="6626982" cy="2206301"/>
           </a:xfrm>
           <a:prstGeom prst="rect">
             <a:avLst/>
@@ -4672,7 +4882,7 @@
               <a:buNone/>
             </a:pPr>
             <a:r>
-              <a:rPr lang="en-GB" sz="1500">
+              <a:rPr lang="en-GB" sz="1500" dirty="0">
                 <a:solidFill>
                   <a:srgbClr val="FF5600"/>
                 </a:solidFill>
@@ -4687,7 +4897,7 @@
               <a:t>class</a:t>
             </a:r>
             <a:r>
-              <a:rPr lang="en-GB" sz="1500">
+              <a:rPr lang="en-GB" sz="1500" dirty="0">
                 <a:solidFill>
                   <a:schemeClr val="dk1"/>
                 </a:solidFill>
@@ -4702,7 +4912,7 @@
               <a:t> </a:t>
             </a:r>
             <a:r>
-              <a:rPr lang="en-GB" sz="1500">
+              <a:rPr lang="en-GB" sz="1500" dirty="0" err="1">
                 <a:solidFill>
                   <a:srgbClr val="21439C"/>
                 </a:solidFill>
@@ -4717,7 +4927,7 @@
               <a:t>Programer</a:t>
             </a:r>
             <a:r>
-              <a:rPr lang="en-GB" sz="1500">
+              <a:rPr lang="en-GB" sz="1500" dirty="0">
                 <a:solidFill>
                   <a:schemeClr val="dk1"/>
                 </a:solidFill>
@@ -4732,7 +4942,7 @@
               <a:t>(</a:t>
             </a:r>
             <a:r>
-              <a:rPr lang="en-GB" sz="1500">
+              <a:rPr lang="en-GB" sz="1500" dirty="0">
                 <a:solidFill>
                   <a:srgbClr val="A535AE"/>
                 </a:solidFill>
@@ -4747,7 +4957,7 @@
               <a:t>object</a:t>
             </a:r>
             <a:r>
-              <a:rPr lang="en-GB" sz="1500">
+              <a:rPr lang="en-GB" sz="1500" dirty="0">
                 <a:solidFill>
                   <a:schemeClr val="dk1"/>
                 </a:solidFill>
@@ -4762,7 +4972,7 @@
               <a:t>):</a:t>
             </a:r>
             <a:br>
-              <a:rPr lang="en-GB" sz="1500">
+              <a:rPr lang="en-GB" sz="1500" dirty="0">
                 <a:solidFill>
                   <a:schemeClr val="dk1"/>
                 </a:solidFill>
@@ -4776,7 +4986,7 @@
               </a:rPr>
             </a:br>
             <a:r>
-              <a:rPr lang="en-GB" sz="1500">
+              <a:rPr lang="en-GB" sz="1500" dirty="0">
                 <a:solidFill>
                   <a:schemeClr val="dk1"/>
                 </a:solidFill>
@@ -4791,7 +5001,7 @@
               <a:t>    </a:t>
             </a:r>
             <a:r>
-              <a:rPr lang="en-GB" sz="1500">
+              <a:rPr lang="en-GB" sz="1500" dirty="0" err="1">
                 <a:solidFill>
                   <a:srgbClr val="FF5600"/>
                 </a:solidFill>
@@ -4806,7 +5016,7 @@
               <a:t>def</a:t>
             </a:r>
             <a:r>
-              <a:rPr lang="en-GB" sz="1500">
+              <a:rPr lang="en-GB" sz="1500" dirty="0">
                 <a:solidFill>
                   <a:schemeClr val="dk1"/>
                 </a:solidFill>
@@ -4821,7 +5031,7 @@
               <a:t> </a:t>
             </a:r>
             <a:r>
-              <a:rPr lang="en-GB" sz="1500">
+              <a:rPr lang="en-GB" sz="1500" dirty="0">
                 <a:solidFill>
                   <a:srgbClr val="A535AE"/>
                 </a:solidFill>
@@ -4833,12 +5043,12 @@
                 <a:cs typeface="Courier New"/>
                 <a:sym typeface="Courier New"/>
               </a:rPr>
-              <a:t>__init__</a:t>
-            </a:r>
-            <a:r>
-              <a:rPr lang="en-GB" sz="1500">
-                <a:solidFill>
-                  <a:schemeClr val="dk1"/>
+              <a:t>__</a:t>
+            </a:r>
+            <a:r>
+              <a:rPr lang="en-GB" sz="1500" dirty="0" err="1">
+                <a:solidFill>
+                  <a:srgbClr val="A535AE"/>
                 </a:solidFill>
                 <a:highlight>
                   <a:srgbClr val="FFFFFF"/>
@@ -4848,12 +5058,12 @@
                 <a:cs typeface="Courier New"/>
                 <a:sym typeface="Courier New"/>
               </a:rPr>
-              <a:t>(self, name, age):</a:t>
-            </a:r>
-            <a:br>
-              <a:rPr lang="en-GB" sz="1500">
-                <a:solidFill>
-                  <a:schemeClr val="dk1"/>
+              <a:t>init</a:t>
+            </a:r>
+            <a:r>
+              <a:rPr lang="en-GB" sz="1500" dirty="0">
+                <a:solidFill>
+                  <a:srgbClr val="A535AE"/>
                 </a:solidFill>
                 <a:highlight>
                   <a:srgbClr val="FFFFFF"/>
@@ -4863,9 +5073,10 @@
                 <a:cs typeface="Courier New"/>
                 <a:sym typeface="Courier New"/>
               </a:rPr>
-            </a:br>
-            <a:r>
-              <a:rPr lang="en-GB" sz="1500">
+              <a:t>__</a:t>
+            </a:r>
+            <a:r>
+              <a:rPr lang="en-GB" sz="1500" dirty="0">
                 <a:solidFill>
                   <a:schemeClr val="dk1"/>
                 </a:solidFill>
@@ -4877,12 +5088,12 @@
                 <a:cs typeface="Courier New"/>
                 <a:sym typeface="Courier New"/>
               </a:rPr>
-              <a:t>        self.name </a:t>
-            </a:r>
-            <a:r>
-              <a:rPr lang="en-GB" sz="1500">
-                <a:solidFill>
-                  <a:srgbClr val="FF5600"/>
+              <a:t>(self, name, age):</a:t>
+            </a:r>
+            <a:br>
+              <a:rPr lang="en-GB" sz="1500" dirty="0">
+                <a:solidFill>
+                  <a:schemeClr val="dk1"/>
                 </a:solidFill>
                 <a:highlight>
                   <a:srgbClr val="FFFFFF"/>
@@ -4892,10 +5103,9 @@
                 <a:cs typeface="Courier New"/>
                 <a:sym typeface="Courier New"/>
               </a:rPr>
-              <a:t>=</a:t>
-            </a:r>
-            <a:r>
-              <a:rPr lang="en-GB" sz="1500">
+            </a:br>
+            <a:r>
+              <a:rPr lang="en-GB" sz="1500" dirty="0">
                 <a:solidFill>
                   <a:schemeClr val="dk1"/>
                 </a:solidFill>
@@ -4907,12 +5117,12 @@
                 <a:cs typeface="Courier New"/>
                 <a:sym typeface="Courier New"/>
               </a:rPr>
-              <a:t> name</a:t>
-            </a:r>
-            <a:br>
-              <a:rPr lang="en-GB" sz="1500">
-                <a:solidFill>
-                  <a:schemeClr val="dk1"/>
+              <a:t>        self.name </a:t>
+            </a:r>
+            <a:r>
+              <a:rPr lang="en-GB" sz="1500" dirty="0">
+                <a:solidFill>
+                  <a:srgbClr val="FF5600"/>
                 </a:solidFill>
                 <a:highlight>
                   <a:srgbClr val="FFFFFF"/>
@@ -4922,9 +5132,10 @@
                 <a:cs typeface="Courier New"/>
                 <a:sym typeface="Courier New"/>
               </a:rPr>
-            </a:br>
-            <a:r>
-              <a:rPr lang="en-GB" sz="1500">
+              <a:t>=</a:t>
+            </a:r>
+            <a:r>
+              <a:rPr lang="en-GB" sz="1500" dirty="0">
                 <a:solidFill>
                   <a:schemeClr val="dk1"/>
                 </a:solidFill>
@@ -4936,12 +5147,12 @@
                 <a:cs typeface="Courier New"/>
                 <a:sym typeface="Courier New"/>
               </a:rPr>
-              <a:t>        self.age </a:t>
-            </a:r>
-            <a:r>
-              <a:rPr lang="en-GB" sz="1500">
-                <a:solidFill>
-                  <a:srgbClr val="FF5600"/>
+              <a:t> name</a:t>
+            </a:r>
+            <a:br>
+              <a:rPr lang="en-GB" sz="1500" dirty="0">
+                <a:solidFill>
+                  <a:schemeClr val="dk1"/>
                 </a:solidFill>
                 <a:highlight>
                   <a:srgbClr val="FFFFFF"/>
@@ -4951,10 +5162,9 @@
                 <a:cs typeface="Courier New"/>
                 <a:sym typeface="Courier New"/>
               </a:rPr>
-              <a:t>=</a:t>
-            </a:r>
-            <a:r>
-              <a:rPr lang="en-GB" sz="1500">
+            </a:br>
+            <a:r>
+              <a:rPr lang="en-GB" sz="1500" dirty="0">
                 <a:solidFill>
                   <a:schemeClr val="dk1"/>
                 </a:solidFill>
@@ -4966,9 +5176,77 @@
                 <a:cs typeface="Courier New"/>
                 <a:sym typeface="Courier New"/>
               </a:rPr>
+              <a:t>        </a:t>
+            </a:r>
+            <a:r>
+              <a:rPr lang="en-GB" sz="1500" dirty="0" err="1">
+                <a:solidFill>
+                  <a:schemeClr val="dk1"/>
+                </a:solidFill>
+                <a:highlight>
+                  <a:srgbClr val="FFFFFF"/>
+                </a:highlight>
+                <a:latin typeface="Courier New"/>
+                <a:ea typeface="Courier New"/>
+                <a:cs typeface="Courier New"/>
+                <a:sym typeface="Courier New"/>
+              </a:rPr>
+              <a:t>self.age</a:t>
+            </a:r>
+            <a:r>
+              <a:rPr lang="en-GB" sz="1500" dirty="0">
+                <a:solidFill>
+                  <a:schemeClr val="dk1"/>
+                </a:solidFill>
+                <a:highlight>
+                  <a:srgbClr val="FFFFFF"/>
+                </a:highlight>
+                <a:latin typeface="Courier New"/>
+                <a:ea typeface="Courier New"/>
+                <a:cs typeface="Courier New"/>
+                <a:sym typeface="Courier New"/>
+              </a:rPr>
+              <a:t> </a:t>
+            </a:r>
+            <a:r>
+              <a:rPr lang="en-GB" sz="1500" dirty="0">
+                <a:solidFill>
+                  <a:srgbClr val="FF5600"/>
+                </a:solidFill>
+                <a:highlight>
+                  <a:srgbClr val="FFFFFF"/>
+                </a:highlight>
+                <a:latin typeface="Courier New"/>
+                <a:ea typeface="Courier New"/>
+                <a:cs typeface="Courier New"/>
+                <a:sym typeface="Courier New"/>
+              </a:rPr>
+              <a:t>=</a:t>
+            </a:r>
+            <a:r>
+              <a:rPr lang="en-GB" sz="1500" dirty="0">
+                <a:solidFill>
+                  <a:schemeClr val="dk1"/>
+                </a:solidFill>
+                <a:highlight>
+                  <a:srgbClr val="FFFFFF"/>
+                </a:highlight>
+                <a:latin typeface="Courier New"/>
+                <a:ea typeface="Courier New"/>
+                <a:cs typeface="Courier New"/>
+                <a:sym typeface="Courier New"/>
+              </a:rPr>
               <a:t> age</a:t>
             </a:r>
-            <a:endParaRPr lang="en-GB" sz="1500">
+          </a:p>
+          <a:p>
+            <a:pPr lvl="0">
+              <a:spcBef>
+                <a:spcPts val="0"/>
+              </a:spcBef>
+              <a:buNone/>
+            </a:pPr>
+            <a:endParaRPr lang="en-GB" sz="1500" dirty="0">
               <a:solidFill>
                 <a:schemeClr val="dk1"/>
               </a:solidFill>
@@ -4981,13 +5259,40 @@
               <a:sym typeface="Courier New"/>
             </a:endParaRPr>
           </a:p>
+        </p:txBody>
+      </p:sp>
+      <p:sp>
+        <p:nvSpPr>
+          <p:cNvPr id="2" name="矩形 1"/>
+          <p:cNvSpPr/>
+          <p:nvPr/>
+        </p:nvSpPr>
+        <p:spPr>
+          <a:xfrm>
+            <a:off x="3217904" y="516967"/>
+            <a:ext cx="2492990" cy="553998"/>
+          </a:xfrm>
+          <a:prstGeom prst="rect">
+            <a:avLst/>
+          </a:prstGeom>
+        </p:spPr>
+        <p:txBody>
+          <a:bodyPr wrap="none">
+            <a:spAutoFit/>
+          </a:bodyPr>
+          <a:lstStyle/>
           <a:p>
-            <a:pPr lvl="0">
-              <a:spcBef>
-                <a:spcPts val="0"/>
-              </a:spcBef>
-              <a:buNone/>
-            </a:pPr>
+            <a:r>
+              <a:rPr lang="en-GB" altLang="zh-CN" sz="3000" b="1" dirty="0" err="1">
+                <a:solidFill>
+                  <a:srgbClr val="C94251"/>
+                </a:solidFill>
+                <a:latin typeface="微软雅黑" charset="0"/>
+                <a:ea typeface="微软雅黑" charset="0"/>
+              </a:rPr>
+              <a:t>定义类的属性</a:t>
+            </a:r>
+            <a:endParaRPr lang="zh-CN" altLang="en-US" sz="3000" dirty="0"/>
           </a:p>
         </p:txBody>
       </p:sp>
@@ -5063,14 +5368,14 @@
                 </p:childTnLst>
               </p:cTn>
               <p:prevCondLst>
-                <p:cond evt="onPrev">
+                <p:cond evt="onPrev" delay="0">
                   <p:tgtEl>
                     <p:sldTgt/>
                   </p:tgtEl>
                 </p:cond>
               </p:prevCondLst>
               <p:nextCondLst>
-                <p:cond evt="onNext">
+                <p:cond evt="onNext" delay="0">
                   <p:tgtEl>
                     <p:sldTgt/>
                   </p:tgtEl>
@@ -5090,7 +5395,7 @@
   <p:cSld>
     <p:spTree>
       <p:nvGrpSpPr>
-        <p:cNvPr id="71" name="Shape 71"/>
+        <p:cNvPr id="1" name="Shape 71"/>
         <p:cNvGrpSpPr/>
         <p:nvPr/>
       </p:nvGrpSpPr>
@@ -5105,15 +5410,17 @@
       <p:sp>
         <p:nvSpPr>
           <p:cNvPr id="72" name="Shape 72"/>
-          <p:cNvSpPr txBox="1"/>
+          <p:cNvSpPr txBox="1">
+            <a:spLocks noGrp="1"/>
+          </p:cNvSpPr>
           <p:nvPr>
             <p:ph type="title"/>
           </p:nvPr>
         </p:nvSpPr>
         <p:spPr>
           <a:xfrm>
-            <a:off x="311700" y="445025"/>
-            <a:ext cx="8520600" cy="572700"/>
+            <a:off x="1184265" y="1377355"/>
+            <a:ext cx="5664771" cy="564999"/>
           </a:xfrm>
           <a:prstGeom prst="rect">
             <a:avLst/>
@@ -5132,37 +5439,42 @@
               <a:buNone/>
             </a:pPr>
             <a:r>
-              <a:rPr lang="en-GB" sz="2200">
+              <a:rPr lang="en-GB" sz="2200" dirty="0" err="1">
                 <a:solidFill>
                   <a:srgbClr val="C94251"/>
                 </a:solidFill>
                 <a:latin typeface="微软雅黑" charset="0"/>
                 <a:ea typeface="微软雅黑" charset="0"/>
               </a:rPr>
-              <a:t>访问控制？</a:t>
-            </a:r>
-            <a:endParaRPr lang="en-GB" sz="2200">
-              <a:solidFill>
-                <a:srgbClr val="C94251"/>
-              </a:solidFill>
-              <a:latin typeface="微软雅黑" charset="0"/>
-              <a:ea typeface="微软雅黑" charset="0"/>
-            </a:endParaRPr>
+              <a:t>访问控制</a:t>
+            </a:r>
+            <a:r>
+              <a:rPr lang="en-GB" sz="2200" dirty="0">
+                <a:solidFill>
+                  <a:srgbClr val="C94251"/>
+                </a:solidFill>
+                <a:latin typeface="微软雅黑" charset="0"/>
+                <a:ea typeface="微软雅黑" charset="0"/>
+              </a:rPr>
+              <a:t>？</a:t>
+            </a:r>
           </a:p>
         </p:txBody>
       </p:sp>
       <p:sp>
         <p:nvSpPr>
           <p:cNvPr id="73" name="Shape 73"/>
-          <p:cNvSpPr txBox="1"/>
+          <p:cNvSpPr txBox="1">
+            <a:spLocks noGrp="1"/>
+          </p:cNvSpPr>
           <p:nvPr>
             <p:ph type="body" idx="1"/>
           </p:nvPr>
         </p:nvSpPr>
         <p:spPr>
           <a:xfrm>
-            <a:off x="311785" y="1152525"/>
-            <a:ext cx="8503920" cy="3425190"/>
+            <a:off x="1184265" y="2120714"/>
+            <a:ext cx="6782286" cy="2146487"/>
           </a:xfrm>
           <a:prstGeom prst="rect">
             <a:avLst/>
@@ -5183,13 +5495,13 @@
               <a:buChar char="•"/>
             </a:pPr>
             <a:r>
-              <a:rPr lang="en-GB" sz="1500">
+              <a:rPr lang="en-GB" sz="1500" dirty="0" err="1">
                 <a:latin typeface="微软雅黑" charset="0"/>
                 <a:ea typeface="微软雅黑" charset="0"/>
               </a:rPr>
               <a:t>其实木有反问控制</a:t>
             </a:r>
-            <a:endParaRPr lang="en-GB" sz="1500">
+            <a:endParaRPr lang="en-GB" sz="1500" dirty="0">
               <a:latin typeface="微软雅黑" charset="0"/>
               <a:ea typeface="微软雅黑" charset="0"/>
             </a:endParaRPr>
@@ -5204,56 +5516,90 @@
               <a:buChar char="•"/>
             </a:pPr>
             <a:r>
-              <a:rPr lang="en-US" altLang="en-GB" sz="1500">
+              <a:rPr lang="en-US" altLang="en-GB" sz="1500" dirty="0">
                 <a:latin typeface="微软雅黑" charset="0"/>
                 <a:ea typeface="微软雅黑" charset="0"/>
               </a:rPr>
               <a:t>Python</a:t>
             </a:r>
             <a:r>
-              <a:rPr lang="zh-CN" altLang="en-US" sz="1500">
+              <a:rPr lang="zh-CN" altLang="en-US" sz="1500" dirty="0">
                 <a:latin typeface="微软雅黑" charset="0"/>
                 <a:ea typeface="微软雅黑" charset="0"/>
               </a:rPr>
               <a:t>没提供私有属性的功能</a:t>
             </a:r>
-            <a:endParaRPr lang="zh-CN" altLang="en-US" sz="1500">
+          </a:p>
+          <a:p>
+            <a:pPr marL="457200" lvl="0" indent="-323850">
+              <a:spcBef>
+                <a:spcPts val="0"/>
+              </a:spcBef>
+              <a:buSzPct val="100000"/>
+              <a:buFont typeface="Arial" charset="0"/>
+              <a:buChar char="•"/>
+            </a:pPr>
+            <a:r>
+              <a:rPr lang="en-GB" sz="1500" dirty="0" err="1">
+                <a:latin typeface="微软雅黑" charset="0"/>
+                <a:ea typeface="微软雅黑" charset="0"/>
+              </a:rPr>
+              <a:t>全靠自觉</a:t>
+            </a:r>
+            <a:r>
+              <a:rPr lang="en-GB" sz="1500" dirty="0">
+                <a:latin typeface="微软雅黑" charset="0"/>
+                <a:ea typeface="微软雅黑" charset="0"/>
+              </a:rPr>
+              <a:t>...</a:t>
+            </a:r>
+          </a:p>
+          <a:p>
+            <a:pPr lvl="0" rtl="0">
+              <a:spcBef>
+                <a:spcPts val="0"/>
+              </a:spcBef>
+              <a:buNone/>
+            </a:pPr>
+            <a:endParaRPr sz="1500" dirty="0">
               <a:latin typeface="微软雅黑" charset="0"/>
               <a:ea typeface="微软雅黑" charset="0"/>
             </a:endParaRPr>
           </a:p>
+        </p:txBody>
+      </p:sp>
+      <p:sp>
+        <p:nvSpPr>
+          <p:cNvPr id="2" name="矩形 1"/>
+          <p:cNvSpPr/>
+          <p:nvPr/>
+        </p:nvSpPr>
+        <p:spPr>
+          <a:xfrm>
+            <a:off x="3144085" y="456026"/>
+            <a:ext cx="2492990" cy="553998"/>
+          </a:xfrm>
+          <a:prstGeom prst="rect">
+            <a:avLst/>
+          </a:prstGeom>
+        </p:spPr>
+        <p:txBody>
+          <a:bodyPr wrap="none">
+            <a:spAutoFit/>
+          </a:bodyPr>
+          <a:lstStyle/>
           <a:p>
-            <a:pPr marL="457200" lvl="0" indent="-323850">
-              <a:spcBef>
-                <a:spcPts val="0"/>
-              </a:spcBef>
-              <a:buSzPct val="100000"/>
-              <a:buFont typeface="Arial" charset="0"/>
-              <a:buChar char="•"/>
-            </a:pPr>
-            <a:r>
-              <a:rPr lang="en-GB" sz="1500">
+            <a:r>
+              <a:rPr lang="en-GB" altLang="zh-CN" sz="3000" b="1" dirty="0" err="1">
+                <a:solidFill>
+                  <a:srgbClr val="C94251"/>
+                </a:solidFill>
                 <a:latin typeface="微软雅黑" charset="0"/>
                 <a:ea typeface="微软雅黑" charset="0"/>
               </a:rPr>
-              <a:t>全靠自觉...</a:t>
-            </a:r>
-            <a:endParaRPr lang="en-GB" sz="1500">
-              <a:latin typeface="微软雅黑" charset="0"/>
-              <a:ea typeface="微软雅黑" charset="0"/>
-            </a:endParaRPr>
-          </a:p>
-          <a:p>
-            <a:pPr lvl="0" rtl="0">
-              <a:spcBef>
-                <a:spcPts val="0"/>
-              </a:spcBef>
-              <a:buNone/>
-            </a:pPr>
-            <a:endParaRPr sz="1500">
-              <a:latin typeface="微软雅黑" charset="0"/>
-              <a:ea typeface="微软雅黑" charset="0"/>
-            </a:endParaRPr>
+              <a:t>定义类的属性</a:t>
+            </a:r>
+            <a:endParaRPr lang="zh-CN" altLang="en-US" sz="3000" dirty="0"/>
           </a:p>
         </p:txBody>
       </p:sp>
@@ -5486,7 +5832,7 @@
   <p:cSld>
     <p:spTree>
       <p:nvGrpSpPr>
-        <p:cNvPr id="77" name="Shape 77"/>
+        <p:cNvPr id="1" name="Shape 77"/>
         <p:cNvGrpSpPr/>
         <p:nvPr/>
       </p:nvGrpSpPr>
@@ -5501,15 +5847,17 @@
       <p:sp>
         <p:nvSpPr>
           <p:cNvPr id="78" name="Shape 78"/>
-          <p:cNvSpPr txBox="1"/>
+          <p:cNvSpPr txBox="1">
+            <a:spLocks noGrp="1"/>
+          </p:cNvSpPr>
           <p:nvPr>
             <p:ph type="title"/>
           </p:nvPr>
         </p:nvSpPr>
         <p:spPr>
           <a:xfrm>
-            <a:off x="311700" y="445025"/>
-            <a:ext cx="8520600" cy="572700"/>
+            <a:off x="1004971" y="1358138"/>
+            <a:ext cx="5951641" cy="553046"/>
           </a:xfrm>
           <a:prstGeom prst="rect">
             <a:avLst/>
@@ -5528,7 +5876,7 @@
               <a:buNone/>
             </a:pPr>
             <a:r>
-              <a:rPr lang="zh-CN" altLang="en-GB" sz="2200">
+              <a:rPr lang="zh-CN" altLang="en-GB" sz="2200" dirty="0">
                 <a:solidFill>
                   <a:srgbClr val="C94251"/>
                 </a:solidFill>
@@ -5537,28 +5885,23 @@
               </a:rPr>
               <a:t>常用属性定义</a:t>
             </a:r>
-            <a:endParaRPr lang="zh-CN" altLang="en-GB" sz="2200">
-              <a:solidFill>
-                <a:srgbClr val="C94251"/>
-              </a:solidFill>
-              <a:latin typeface="微软雅黑" charset="0"/>
-              <a:ea typeface="微软雅黑" charset="0"/>
-            </a:endParaRPr>
           </a:p>
         </p:txBody>
       </p:sp>
       <p:sp>
         <p:nvSpPr>
           <p:cNvPr id="79" name="Shape 79"/>
-          <p:cNvSpPr txBox="1"/>
+          <p:cNvSpPr txBox="1">
+            <a:spLocks noGrp="1"/>
+          </p:cNvSpPr>
           <p:nvPr>
             <p:ph type="body" idx="1"/>
           </p:nvPr>
         </p:nvSpPr>
         <p:spPr>
           <a:xfrm>
-            <a:off x="311700" y="1152475"/>
-            <a:ext cx="8520600" cy="3416400"/>
+            <a:off x="1004971" y="2031016"/>
+            <a:ext cx="6250465" cy="2152513"/>
           </a:xfrm>
           <a:prstGeom prst="rect">
             <a:avLst/>
@@ -5588,7 +5931,7 @@
               <a:buNone/>
             </a:pPr>
             <a:r>
-              <a:rPr lang="en-GB" sz="1500">
+              <a:rPr lang="en-GB" sz="1500" dirty="0">
                 <a:solidFill>
                   <a:srgbClr val="FF5600"/>
                 </a:solidFill>
@@ -5603,7 +5946,7 @@
               <a:t>class</a:t>
             </a:r>
             <a:r>
-              <a:rPr lang="en-GB" sz="1500">
+              <a:rPr lang="en-GB" sz="1500" dirty="0">
                 <a:solidFill>
                   <a:schemeClr val="dk1"/>
                 </a:solidFill>
@@ -5618,7 +5961,7 @@
               <a:t> </a:t>
             </a:r>
             <a:r>
-              <a:rPr lang="en-GB" sz="1500">
+              <a:rPr lang="en-GB" sz="1500" dirty="0" err="1">
                 <a:solidFill>
                   <a:srgbClr val="21439C"/>
                 </a:solidFill>
@@ -5633,7 +5976,7 @@
               <a:t>Programer</a:t>
             </a:r>
             <a:r>
-              <a:rPr lang="en-GB" sz="1500">
+              <a:rPr lang="en-GB" sz="1500" dirty="0">
                 <a:solidFill>
                   <a:schemeClr val="dk1"/>
                 </a:solidFill>
@@ -5648,7 +5991,7 @@
               <a:t>(</a:t>
             </a:r>
             <a:r>
-              <a:rPr lang="en-GB" sz="1500">
+              <a:rPr lang="en-GB" sz="1500" dirty="0">
                 <a:solidFill>
                   <a:srgbClr val="A535AE"/>
                 </a:solidFill>
@@ -5663,7 +6006,7 @@
               <a:t>object</a:t>
             </a:r>
             <a:r>
-              <a:rPr lang="en-GB" sz="1500">
+              <a:rPr lang="en-GB" sz="1500" dirty="0">
                 <a:solidFill>
                   <a:schemeClr val="dk1"/>
                 </a:solidFill>
@@ -5678,7 +6021,7 @@
               <a:t>):</a:t>
             </a:r>
             <a:br>
-              <a:rPr lang="en-GB" sz="1500">
+              <a:rPr lang="en-GB" sz="1500" dirty="0">
                 <a:solidFill>
                   <a:schemeClr val="dk1"/>
                 </a:solidFill>
@@ -5692,7 +6035,7 @@
               </a:rPr>
             </a:br>
             <a:r>
-              <a:rPr lang="en-GB" sz="1500">
+              <a:rPr lang="en-GB" sz="1500" dirty="0">
                 <a:solidFill>
                   <a:schemeClr val="dk1"/>
                 </a:solidFill>
@@ -5707,7 +6050,7 @@
               <a:t>    </a:t>
             </a:r>
             <a:r>
-              <a:rPr lang="en-GB" sz="1500">
+              <a:rPr lang="en-GB" sz="1500" dirty="0" err="1">
                 <a:solidFill>
                   <a:srgbClr val="FF5600"/>
                 </a:solidFill>
@@ -5722,7 +6065,7 @@
               <a:t>def</a:t>
             </a:r>
             <a:r>
-              <a:rPr lang="en-GB" sz="1500">
+              <a:rPr lang="en-GB" sz="1500" dirty="0">
                 <a:solidFill>
                   <a:schemeClr val="dk1"/>
                 </a:solidFill>
@@ -5737,7 +6080,7 @@
               <a:t> </a:t>
             </a:r>
             <a:r>
-              <a:rPr lang="en-GB" sz="1500">
+              <a:rPr lang="en-GB" sz="1500" dirty="0">
                 <a:solidFill>
                   <a:srgbClr val="A535AE"/>
                 </a:solidFill>
@@ -5749,12 +6092,12 @@
                 <a:cs typeface="Courier New"/>
                 <a:sym typeface="Courier New"/>
               </a:rPr>
-              <a:t>__init__</a:t>
-            </a:r>
-            <a:r>
-              <a:rPr lang="en-GB" sz="1500">
-                <a:solidFill>
-                  <a:schemeClr val="dk1"/>
+              <a:t>__</a:t>
+            </a:r>
+            <a:r>
+              <a:rPr lang="en-GB" sz="1500" dirty="0" err="1">
+                <a:solidFill>
+                  <a:srgbClr val="A535AE"/>
                 </a:solidFill>
                 <a:highlight>
                   <a:srgbClr val="FFFFFF"/>
@@ -5764,12 +6107,12 @@
                 <a:cs typeface="Courier New"/>
                 <a:sym typeface="Courier New"/>
               </a:rPr>
-              <a:t>(self, name, age， weight):</a:t>
-            </a:r>
-            <a:br>
-              <a:rPr lang="en-GB" sz="1500">
-                <a:solidFill>
-                  <a:schemeClr val="dk1"/>
+              <a:t>init</a:t>
+            </a:r>
+            <a:r>
+              <a:rPr lang="en-GB" sz="1500" dirty="0">
+                <a:solidFill>
+                  <a:srgbClr val="A535AE"/>
                 </a:solidFill>
                 <a:highlight>
                   <a:srgbClr val="FFFFFF"/>
@@ -5779,9 +6122,10 @@
                 <a:cs typeface="Courier New"/>
                 <a:sym typeface="Courier New"/>
               </a:rPr>
-            </a:br>
-            <a:r>
-              <a:rPr lang="en-GB" sz="1500">
+              <a:t>__</a:t>
+            </a:r>
+            <a:r>
+              <a:rPr lang="en-GB" sz="1500" dirty="0">
                 <a:solidFill>
                   <a:schemeClr val="dk1"/>
                 </a:solidFill>
@@ -5793,12 +6137,12 @@
                 <a:cs typeface="Courier New"/>
                 <a:sym typeface="Courier New"/>
               </a:rPr>
-              <a:t>        self.name </a:t>
-            </a:r>
-            <a:r>
-              <a:rPr lang="en-GB" sz="1500">
-                <a:solidFill>
-                  <a:srgbClr val="FF5600"/>
+              <a:t>(self, name, age， weight):</a:t>
+            </a:r>
+            <a:br>
+              <a:rPr lang="en-GB" sz="1500" dirty="0">
+                <a:solidFill>
+                  <a:schemeClr val="dk1"/>
                 </a:solidFill>
                 <a:highlight>
                   <a:srgbClr val="FFFFFF"/>
@@ -5808,10 +6152,9 @@
                 <a:cs typeface="Courier New"/>
                 <a:sym typeface="Courier New"/>
               </a:rPr>
-              <a:t>=</a:t>
-            </a:r>
-            <a:r>
-              <a:rPr lang="en-GB" sz="1500">
+            </a:br>
+            <a:r>
+              <a:rPr lang="en-GB" sz="1500" dirty="0">
                 <a:solidFill>
                   <a:schemeClr val="dk1"/>
                 </a:solidFill>
@@ -5823,12 +6166,12 @@
                 <a:cs typeface="Courier New"/>
                 <a:sym typeface="Courier New"/>
               </a:rPr>
-              <a:t> name</a:t>
-            </a:r>
-            <a:br>
-              <a:rPr lang="en-GB" sz="1500">
-                <a:solidFill>
-                  <a:schemeClr val="dk1"/>
+              <a:t>        self.name </a:t>
+            </a:r>
+            <a:r>
+              <a:rPr lang="en-GB" sz="1500" dirty="0">
+                <a:solidFill>
+                  <a:srgbClr val="FF5600"/>
                 </a:solidFill>
                 <a:highlight>
                   <a:srgbClr val="FFFFFF"/>
@@ -5838,9 +6181,10 @@
                 <a:cs typeface="Courier New"/>
                 <a:sym typeface="Courier New"/>
               </a:rPr>
-            </a:br>
-            <a:r>
-              <a:rPr lang="en-GB" sz="1500">
+              <a:t>=</a:t>
+            </a:r>
+            <a:r>
+              <a:rPr lang="en-GB" sz="1500" dirty="0">
                 <a:solidFill>
                   <a:schemeClr val="dk1"/>
                 </a:solidFill>
@@ -5852,12 +6196,12 @@
                 <a:cs typeface="Courier New"/>
                 <a:sym typeface="Courier New"/>
               </a:rPr>
-              <a:t>        self._age </a:t>
-            </a:r>
-            <a:r>
-              <a:rPr lang="en-GB" sz="1500">
-                <a:solidFill>
-                  <a:srgbClr val="FF5600"/>
+              <a:t> name</a:t>
+            </a:r>
+            <a:br>
+              <a:rPr lang="en-GB" sz="1500" dirty="0">
+                <a:solidFill>
+                  <a:schemeClr val="dk1"/>
                 </a:solidFill>
                 <a:highlight>
                   <a:srgbClr val="FFFFFF"/>
@@ -5867,10 +6211,9 @@
                 <a:cs typeface="Courier New"/>
                 <a:sym typeface="Courier New"/>
               </a:rPr>
-              <a:t>=</a:t>
-            </a:r>
-            <a:r>
-              <a:rPr lang="en-GB" sz="1500">
+            </a:br>
+            <a:r>
+              <a:rPr lang="en-GB" sz="1500" dirty="0">
                 <a:solidFill>
                   <a:schemeClr val="dk1"/>
                 </a:solidFill>
@@ -5882,10 +6225,10 @@
                 <a:cs typeface="Courier New"/>
                 <a:sym typeface="Courier New"/>
               </a:rPr>
-              <a:t> age</a:t>
-            </a:r>
-            <a:br>
-              <a:rPr lang="en-GB" sz="1500">
+              <a:t>        </a:t>
+            </a:r>
+            <a:r>
+              <a:rPr lang="en-GB" sz="1500" dirty="0" err="1">
                 <a:solidFill>
                   <a:schemeClr val="dk1"/>
                 </a:solidFill>
@@ -5897,9 +6240,10 @@
                 <a:cs typeface="Courier New"/>
                 <a:sym typeface="Courier New"/>
               </a:rPr>
-            </a:br>
-            <a:r>
-              <a:rPr lang="en-GB" sz="1500">
+              <a:t>self._age</a:t>
+            </a:r>
+            <a:r>
+              <a:rPr lang="en-GB" sz="1500" dirty="0">
                 <a:solidFill>
                   <a:schemeClr val="dk1"/>
                 </a:solidFill>
@@ -5911,10 +6255,10 @@
                 <a:cs typeface="Courier New"/>
                 <a:sym typeface="Courier New"/>
               </a:rPr>
-              <a:t>        self.__weight </a:t>
-            </a:r>
-            <a:r>
-              <a:rPr lang="en-GB" sz="1500">
+              <a:t> </a:t>
+            </a:r>
+            <a:r>
+              <a:rPr lang="en-GB" sz="1500" dirty="0">
                 <a:solidFill>
                   <a:srgbClr val="FF5600"/>
                 </a:solidFill>
@@ -5929,7 +6273,7 @@
               <a:t>=</a:t>
             </a:r>
             <a:r>
-              <a:rPr lang="en-GB" sz="1500">
+              <a:rPr lang="en-GB" sz="1500" dirty="0">
                 <a:solidFill>
                   <a:schemeClr val="dk1"/>
                 </a:solidFill>
@@ -5941,9 +6285,106 @@
                 <a:cs typeface="Courier New"/>
                 <a:sym typeface="Courier New"/>
               </a:rPr>
+              <a:t> age</a:t>
+            </a:r>
+            <a:br>
+              <a:rPr lang="en-GB" sz="1500" dirty="0">
+                <a:solidFill>
+                  <a:schemeClr val="dk1"/>
+                </a:solidFill>
+                <a:highlight>
+                  <a:srgbClr val="FFFFFF"/>
+                </a:highlight>
+                <a:latin typeface="Courier New"/>
+                <a:ea typeface="Courier New"/>
+                <a:cs typeface="Courier New"/>
+                <a:sym typeface="Courier New"/>
+              </a:rPr>
+            </a:br>
+            <a:r>
+              <a:rPr lang="en-GB" sz="1500" dirty="0">
+                <a:solidFill>
+                  <a:schemeClr val="dk1"/>
+                </a:solidFill>
+                <a:highlight>
+                  <a:srgbClr val="FFFFFF"/>
+                </a:highlight>
+                <a:latin typeface="Courier New"/>
+                <a:ea typeface="Courier New"/>
+                <a:cs typeface="Courier New"/>
+                <a:sym typeface="Courier New"/>
+              </a:rPr>
+              <a:t>        </a:t>
+            </a:r>
+            <a:r>
+              <a:rPr lang="en-GB" sz="1500" dirty="0" err="1">
+                <a:solidFill>
+                  <a:schemeClr val="dk1"/>
+                </a:solidFill>
+                <a:highlight>
+                  <a:srgbClr val="FFFFFF"/>
+                </a:highlight>
+                <a:latin typeface="Courier New"/>
+                <a:ea typeface="Courier New"/>
+                <a:cs typeface="Courier New"/>
+                <a:sym typeface="Courier New"/>
+              </a:rPr>
+              <a:t>self.__weight</a:t>
+            </a:r>
+            <a:r>
+              <a:rPr lang="en-GB" sz="1500" dirty="0">
+                <a:solidFill>
+                  <a:schemeClr val="dk1"/>
+                </a:solidFill>
+                <a:highlight>
+                  <a:srgbClr val="FFFFFF"/>
+                </a:highlight>
+                <a:latin typeface="Courier New"/>
+                <a:ea typeface="Courier New"/>
+                <a:cs typeface="Courier New"/>
+                <a:sym typeface="Courier New"/>
+              </a:rPr>
+              <a:t> </a:t>
+            </a:r>
+            <a:r>
+              <a:rPr lang="en-GB" sz="1500" dirty="0">
+                <a:solidFill>
+                  <a:srgbClr val="FF5600"/>
+                </a:solidFill>
+                <a:highlight>
+                  <a:srgbClr val="FFFFFF"/>
+                </a:highlight>
+                <a:latin typeface="Courier New"/>
+                <a:ea typeface="Courier New"/>
+                <a:cs typeface="Courier New"/>
+                <a:sym typeface="Courier New"/>
+              </a:rPr>
+              <a:t>=</a:t>
+            </a:r>
+            <a:r>
+              <a:rPr lang="en-GB" sz="1500" dirty="0">
+                <a:solidFill>
+                  <a:schemeClr val="dk1"/>
+                </a:solidFill>
+                <a:highlight>
+                  <a:srgbClr val="FFFFFF"/>
+                </a:highlight>
+                <a:latin typeface="Courier New"/>
+                <a:ea typeface="Courier New"/>
+                <a:cs typeface="Courier New"/>
+                <a:sym typeface="Courier New"/>
+              </a:rPr>
               <a:t> weight</a:t>
             </a:r>
-            <a:endParaRPr lang="en-GB" sz="1500">
+          </a:p>
+          <a:p>
+            <a:pPr lvl="0" rtl="0">
+              <a:spcBef>
+                <a:spcPts val="0"/>
+              </a:spcBef>
+              <a:buNone/>
+            </a:pPr>
+            <a:endParaRPr lang="en-GB" sz="1500" dirty="0">
               <a:solidFill>
                 <a:schemeClr val="dk1"/>
               </a:solidFill>
@@ -5956,13 +6397,40 @@
               <a:sym typeface="Courier New"/>
             </a:endParaRPr>
           </a:p>
+        </p:txBody>
+      </p:sp>
+      <p:sp>
+        <p:nvSpPr>
+          <p:cNvPr id="2" name="矩形 1"/>
+          <p:cNvSpPr/>
+          <p:nvPr/>
+        </p:nvSpPr>
+        <p:spPr>
+          <a:xfrm>
+            <a:off x="3283647" y="558803"/>
+            <a:ext cx="2492990" cy="553998"/>
+          </a:xfrm>
+          <a:prstGeom prst="rect">
+            <a:avLst/>
+          </a:prstGeom>
+        </p:spPr>
+        <p:txBody>
+          <a:bodyPr wrap="none">
+            <a:spAutoFit/>
+          </a:bodyPr>
+          <a:lstStyle/>
           <a:p>
-            <a:pPr lvl="0" rtl="0">
-              <a:spcBef>
-                <a:spcPts val="0"/>
-              </a:spcBef>
-              <a:buNone/>
-            </a:pPr>
+            <a:r>
+              <a:rPr lang="en-GB" altLang="zh-CN" sz="3000" b="1" dirty="0" err="1">
+                <a:solidFill>
+                  <a:srgbClr val="C94251"/>
+                </a:solidFill>
+                <a:latin typeface="微软雅黑" charset="0"/>
+                <a:ea typeface="微软雅黑" charset="0"/>
+              </a:rPr>
+              <a:t>定义类的属性</a:t>
+            </a:r>
+            <a:endParaRPr lang="zh-CN" altLang="en-US" sz="3000" dirty="0"/>
           </a:p>
         </p:txBody>
       </p:sp>

--- a/ppt/3.2-定义类的属性.pptx
+++ b/ppt/3.2-定义类的属性.pptx
@@ -5,14 +5,14 @@
     <p:sldMasterId id="2147483648" r:id="rId1"/>
   </p:sldMasterIdLst>
   <p:notesMasterIdLst>
-    <p:notesMasterId r:id="rId7"/>
+    <p:notesMasterId r:id="rId4"/>
   </p:notesMasterIdLst>
   <p:sldIdLst>
-    <p:sldId id="256" r:id="rId2"/>
-    <p:sldId id="257" r:id="rId3"/>
-    <p:sldId id="258" r:id="rId4"/>
-    <p:sldId id="259" r:id="rId5"/>
-    <p:sldId id="260" r:id="rId6"/>
+    <p:sldId id="256" r:id="rId3"/>
+    <p:sldId id="257" r:id="rId5"/>
+    <p:sldId id="258" r:id="rId6"/>
+    <p:sldId id="259" r:id="rId7"/>
+    <p:sldId id="260" r:id="rId8"/>
   </p:sldIdLst>
   <p:sldSz cx="9144000" cy="5143500" type="screen16x9"/>
   <p:notesSz cx="6858000" cy="9144000"/>
@@ -376,17 +376,10 @@
               <a:defRPr sz="1100"/>
             </a:lvl9pPr>
           </a:lstStyle>
-          <a:p>
-            <a:endParaRPr/>
-          </a:p>
+          <a:p/>
         </p:txBody>
       </p:sp>
     </p:spTree>
-    <p:extLst>
-      <p:ext uri="{BB962C8B-B14F-4D97-AF65-F5344CB8AC3E}">
-        <p14:creationId xmlns:p14="http://schemas.microsoft.com/office/powerpoint/2010/main" val="1935218705"/>
-      </p:ext>
-    </p:extLst>
   </p:cSld>
   <p:clrMap bg1="lt1" tx1="dk1" bg2="dk2" tx2="lt2" accent1="accent1" accent2="accent2" accent3="accent3" accent4="accent4" accent5="accent5" accent6="accent6" hlink="hlink" folHlink="folHlink"/>
   <p:notesStyle/>
@@ -394,7 +387,7 @@
 </file>
 
 <file path=ppt/notesSlides/notesSlide1.xml><?xml version="1.0" encoding="utf-8"?>
-<p:notes xmlns:a="http://schemas.openxmlformats.org/drawingml/2006/main" xmlns:r="http://schemas.openxmlformats.org/officeDocument/2006/relationships" xmlns:p="http://schemas.openxmlformats.org/presentationml/2006/main" showMasterSp="0" showMasterPhAnim="0">
+<p:notes xmlns:a="http://schemas.openxmlformats.org/drawingml/2006/main" xmlns:r="http://schemas.openxmlformats.org/officeDocument/2006/relationships" xmlns:p="http://schemas.openxmlformats.org/presentationml/2006/main" showMasterPhAnim="0" showMasterSp="0">
   <p:cSld>
     <p:spTree>
       <p:nvGrpSpPr>
@@ -482,16 +475,10 @@
               </a:spcBef>
               <a:buNone/>
             </a:pPr>
-            <a:endParaRPr/>
           </a:p>
         </p:txBody>
       </p:sp>
     </p:spTree>
-    <p:extLst>
-      <p:ext uri="{BB962C8B-B14F-4D97-AF65-F5344CB8AC3E}">
-        <p14:creationId xmlns:p14="http://schemas.microsoft.com/office/powerpoint/2010/main" val="4249539187"/>
-      </p:ext>
-    </p:extLst>
   </p:cSld>
   <p:clrMapOvr>
     <a:masterClrMapping/>
@@ -500,7 +487,7 @@
 </file>
 
 <file path=ppt/notesSlides/notesSlide2.xml><?xml version="1.0" encoding="utf-8"?>
-<p:notes xmlns:a="http://schemas.openxmlformats.org/drawingml/2006/main" xmlns:r="http://schemas.openxmlformats.org/officeDocument/2006/relationships" xmlns:p="http://schemas.openxmlformats.org/presentationml/2006/main" showMasterSp="0" showMasterPhAnim="0">
+<p:notes xmlns:a="http://schemas.openxmlformats.org/drawingml/2006/main" xmlns:r="http://schemas.openxmlformats.org/officeDocument/2006/relationships" xmlns:p="http://schemas.openxmlformats.org/presentationml/2006/main" showMasterPhAnim="0" showMasterSp="0">
   <p:cSld>
     <p:spTree>
       <p:nvGrpSpPr>
@@ -592,15 +579,11 @@
               <a:rPr lang="en-GB"/>
               <a:t>定义类的属性有两种方法，一个是直接在类里定义的属性，这样定义的属性，是被这个类所有的对象所共享的</a:t>
             </a:r>
+            <a:endParaRPr lang="en-GB"/>
           </a:p>
         </p:txBody>
       </p:sp>
     </p:spTree>
-    <p:extLst>
-      <p:ext uri="{BB962C8B-B14F-4D97-AF65-F5344CB8AC3E}">
-        <p14:creationId xmlns:p14="http://schemas.microsoft.com/office/powerpoint/2010/main" val="1712837402"/>
-      </p:ext>
-    </p:extLst>
   </p:cSld>
   <p:clrMapOvr>
     <a:masterClrMapping/>
@@ -609,7 +592,7 @@
 </file>
 
 <file path=ppt/notesSlides/notesSlide3.xml><?xml version="1.0" encoding="utf-8"?>
-<p:notes xmlns:a="http://schemas.openxmlformats.org/drawingml/2006/main" xmlns:r="http://schemas.openxmlformats.org/officeDocument/2006/relationships" xmlns:p="http://schemas.openxmlformats.org/presentationml/2006/main" showMasterSp="0" showMasterPhAnim="0">
+<p:notes xmlns:a="http://schemas.openxmlformats.org/drawingml/2006/main" xmlns:r="http://schemas.openxmlformats.org/officeDocument/2006/relationships" xmlns:p="http://schemas.openxmlformats.org/presentationml/2006/main" showMasterPhAnim="0" showMasterSp="0">
   <p:cSld>
     <p:spTree>
       <p:nvGrpSpPr>
@@ -703,15 +686,13 @@
               </a:rPr>
               <a:t>还有一种方式就是在构造函数里定义，这样属性是属于独立的不同对象的</a:t>
             </a:r>
+            <a:endParaRPr lang="zh-CN">
+              <a:ea typeface="宋体" charset="0"/>
+            </a:endParaRPr>
           </a:p>
         </p:txBody>
       </p:sp>
     </p:spTree>
-    <p:extLst>
-      <p:ext uri="{BB962C8B-B14F-4D97-AF65-F5344CB8AC3E}">
-        <p14:creationId xmlns:p14="http://schemas.microsoft.com/office/powerpoint/2010/main" val="2478940123"/>
-      </p:ext>
-    </p:extLst>
   </p:cSld>
   <p:clrMapOvr>
     <a:masterClrMapping/>
@@ -720,7 +701,7 @@
 </file>
 
 <file path=ppt/notesSlides/notesSlide4.xml><?xml version="1.0" encoding="utf-8"?>
-<p:notes xmlns:a="http://schemas.openxmlformats.org/drawingml/2006/main" xmlns:r="http://schemas.openxmlformats.org/officeDocument/2006/relationships" xmlns:p="http://schemas.openxmlformats.org/presentationml/2006/main" showMasterSp="0" showMasterPhAnim="0">
+<p:notes xmlns:a="http://schemas.openxmlformats.org/drawingml/2006/main" xmlns:r="http://schemas.openxmlformats.org/officeDocument/2006/relationships" xmlns:p="http://schemas.openxmlformats.org/presentationml/2006/main" showMasterPhAnim="0" showMasterSp="0">
   <p:cSld>
     <p:spTree>
       <p:nvGrpSpPr>
@@ -812,15 +793,11 @@
               <a:rPr lang="en-GB"/>
               <a:t>在一些别的面向对象语言里，对于属性的访问还可以在定义的时候进行控制</a:t>
             </a:r>
+            <a:endParaRPr lang="en-GB"/>
           </a:p>
         </p:txBody>
       </p:sp>
     </p:spTree>
-    <p:extLst>
-      <p:ext uri="{BB962C8B-B14F-4D97-AF65-F5344CB8AC3E}">
-        <p14:creationId xmlns:p14="http://schemas.microsoft.com/office/powerpoint/2010/main" val="3280934576"/>
-      </p:ext>
-    </p:extLst>
   </p:cSld>
   <p:clrMapOvr>
     <a:masterClrMapping/>
@@ -829,7 +806,7 @@
 </file>
 
 <file path=ppt/notesSlides/notesSlide5.xml><?xml version="1.0" encoding="utf-8"?>
-<p:notes xmlns:a="http://schemas.openxmlformats.org/drawingml/2006/main" xmlns:r="http://schemas.openxmlformats.org/officeDocument/2006/relationships" xmlns:p="http://schemas.openxmlformats.org/presentationml/2006/main" showMasterSp="0" showMasterPhAnim="0">
+<p:notes xmlns:a="http://schemas.openxmlformats.org/drawingml/2006/main" xmlns:r="http://schemas.openxmlformats.org/officeDocument/2006/relationships" xmlns:p="http://schemas.openxmlformats.org/presentationml/2006/main" showMasterPhAnim="0" showMasterSp="0">
   <p:cSld>
     <p:spTree>
       <p:nvGrpSpPr>
@@ -921,15 +898,11 @@
               <a:rPr lang="en-GB"/>
               <a:t>这个例子里说明的是在Python 的构造函数里，不同访问控制的属性的定义方法。一般来说，在定义的时候，属性名前没有下划线的，代表公开的。有下划线的，代表私有的。但这是由Python的编程规范来约束，其实在程序里是可以访问的。随后一种变量名前面两个下划线，能够实现某种意义上的访问控制，但它在这里其实只是玩了个花样，下面会用一个例子来说明</a:t>
             </a:r>
+            <a:endParaRPr lang="en-GB"/>
           </a:p>
         </p:txBody>
       </p:sp>
     </p:spTree>
-    <p:extLst>
-      <p:ext uri="{BB962C8B-B14F-4D97-AF65-F5344CB8AC3E}">
-        <p14:creationId xmlns:p14="http://schemas.microsoft.com/office/powerpoint/2010/main" val="3293577500"/>
-      </p:ext>
-    </p:extLst>
   </p:cSld>
   <p:clrMapOvr>
     <a:masterClrMapping/>
@@ -1040,9 +1013,7 @@
               <a:defRPr sz="5200"/>
             </a:lvl9pPr>
           </a:lstStyle>
-          <a:p>
-            <a:endParaRPr/>
-          </a:p>
+          <a:p/>
         </p:txBody>
       </p:sp>
       <p:sp>
@@ -1194,9 +1165,7 @@
               <a:defRPr sz="2800"/>
             </a:lvl9pPr>
           </a:lstStyle>
-          <a:p>
-            <a:endParaRPr/>
-          </a:p>
+          <a:p/>
         </p:txBody>
       </p:sp>
       <p:sp>
@@ -1232,7 +1201,6 @@
             </a:pPr>
             <a:fld id="{00000000-1234-1234-1234-123412341234}" type="slidenum">
               <a:rPr lang="en-GB"/>
-              <a:t>‹#›</a:t>
             </a:fld>
             <a:endParaRPr lang="en-GB"/>
           </a:p>
@@ -1349,9 +1317,7 @@
               <a:defRPr sz="12000"/>
             </a:lvl9pPr>
           </a:lstStyle>
-          <a:p>
-            <a:endParaRPr/>
-          </a:p>
+          <a:p/>
         </p:txBody>
       </p:sp>
       <p:sp>
@@ -1431,9 +1397,7 @@
               <a:defRPr/>
             </a:lvl9pPr>
           </a:lstStyle>
-          <a:p>
-            <a:endParaRPr/>
-          </a:p>
+          <a:p/>
         </p:txBody>
       </p:sp>
       <p:sp>
@@ -1469,7 +1433,6 @@
             </a:pPr>
             <a:fld id="{00000000-1234-1234-1234-123412341234}" type="slidenum">
               <a:rPr lang="en-GB"/>
-              <a:t>‹#›</a:t>
             </a:fld>
             <a:endParaRPr lang="en-GB"/>
           </a:p>
@@ -1533,7 +1496,6 @@
             </a:pPr>
             <a:fld id="{00000000-1234-1234-1234-123412341234}" type="slidenum">
               <a:rPr lang="en-GB"/>
-              <a:t>‹#›</a:t>
             </a:fld>
             <a:endParaRPr lang="en-GB"/>
           </a:p>
@@ -1650,9 +1612,7 @@
               <a:defRPr sz="3600"/>
             </a:lvl9pPr>
           </a:lstStyle>
-          <a:p>
-            <a:endParaRPr/>
-          </a:p>
+          <a:p/>
         </p:txBody>
       </p:sp>
       <p:sp>
@@ -1688,7 +1648,6 @@
             </a:pPr>
             <a:fld id="{00000000-1234-1234-1234-123412341234}" type="slidenum">
               <a:rPr lang="en-GB"/>
-              <a:t>‹#›</a:t>
             </a:fld>
             <a:endParaRPr lang="en-GB"/>
           </a:p>
@@ -1796,9 +1755,7 @@
               <a:defRPr/>
             </a:lvl9pPr>
           </a:lstStyle>
-          <a:p>
-            <a:endParaRPr/>
-          </a:p>
+          <a:p/>
         </p:txBody>
       </p:sp>
       <p:sp>
@@ -1878,9 +1835,7 @@
               <a:defRPr/>
             </a:lvl9pPr>
           </a:lstStyle>
-          <a:p>
-            <a:endParaRPr/>
-          </a:p>
+          <a:p/>
         </p:txBody>
       </p:sp>
       <p:sp>
@@ -1916,7 +1871,6 @@
             </a:pPr>
             <a:fld id="{00000000-1234-1234-1234-123412341234}" type="slidenum">
               <a:rPr lang="en-GB"/>
-              <a:t>‹#›</a:t>
             </a:fld>
             <a:endParaRPr lang="en-GB"/>
           </a:p>
@@ -2024,9 +1978,7 @@
               <a:defRPr/>
             </a:lvl9pPr>
           </a:lstStyle>
-          <a:p>
-            <a:endParaRPr/>
-          </a:p>
+          <a:p/>
         </p:txBody>
       </p:sp>
       <p:sp>
@@ -2115,9 +2067,7 @@
               <a:defRPr sz="1200"/>
             </a:lvl9pPr>
           </a:lstStyle>
-          <a:p>
-            <a:endParaRPr/>
-          </a:p>
+          <a:p/>
         </p:txBody>
       </p:sp>
       <p:sp>
@@ -2206,9 +2156,7 @@
               <a:defRPr sz="1200"/>
             </a:lvl9pPr>
           </a:lstStyle>
-          <a:p>
-            <a:endParaRPr/>
-          </a:p>
+          <a:p/>
         </p:txBody>
       </p:sp>
       <p:sp>
@@ -2244,7 +2192,6 @@
             </a:pPr>
             <a:fld id="{00000000-1234-1234-1234-123412341234}" type="slidenum">
               <a:rPr lang="en-GB"/>
-              <a:t>‹#›</a:t>
             </a:fld>
             <a:endParaRPr lang="en-GB"/>
           </a:p>
@@ -2352,9 +2299,7 @@
               <a:defRPr/>
             </a:lvl9pPr>
           </a:lstStyle>
-          <a:p>
-            <a:endParaRPr/>
-          </a:p>
+          <a:p/>
         </p:txBody>
       </p:sp>
       <p:sp>
@@ -2390,7 +2335,6 @@
             </a:pPr>
             <a:fld id="{00000000-1234-1234-1234-123412341234}" type="slidenum">
               <a:rPr lang="en-GB"/>
-              <a:t>‹#›</a:t>
             </a:fld>
             <a:endParaRPr lang="en-GB"/>
           </a:p>
@@ -2507,9 +2451,7 @@
               <a:defRPr sz="2400"/>
             </a:lvl9pPr>
           </a:lstStyle>
-          <a:p>
-            <a:endParaRPr/>
-          </a:p>
+          <a:p/>
         </p:txBody>
       </p:sp>
       <p:sp>
@@ -2598,9 +2540,7 @@
               <a:defRPr sz="1200"/>
             </a:lvl9pPr>
           </a:lstStyle>
-          <a:p>
-            <a:endParaRPr/>
-          </a:p>
+          <a:p/>
         </p:txBody>
       </p:sp>
       <p:sp>
@@ -2636,7 +2576,6 @@
             </a:pPr>
             <a:fld id="{00000000-1234-1234-1234-123412341234}" type="slidenum">
               <a:rPr lang="en-GB"/>
-              <a:t>‹#›</a:t>
             </a:fld>
             <a:endParaRPr lang="en-GB"/>
           </a:p>
@@ -2753,9 +2692,7 @@
               <a:defRPr sz="4800"/>
             </a:lvl9pPr>
           </a:lstStyle>
-          <a:p>
-            <a:endParaRPr/>
-          </a:p>
+          <a:p/>
         </p:txBody>
       </p:sp>
       <p:sp>
@@ -2791,7 +2728,6 @@
             </a:pPr>
             <a:fld id="{00000000-1234-1234-1234-123412341234}" type="slidenum">
               <a:rPr lang="en-GB"/>
-              <a:t>‹#›</a:t>
             </a:fld>
             <a:endParaRPr lang="en-GB"/>
           </a:p>
@@ -2855,7 +2791,6 @@
               </a:spcBef>
               <a:buNone/>
             </a:pPr>
-            <a:endParaRPr/>
           </a:p>
         </p:txBody>
       </p:sp>
@@ -2945,9 +2880,7 @@
               <a:defRPr sz="4200"/>
             </a:lvl9pPr>
           </a:lstStyle>
-          <a:p>
-            <a:endParaRPr/>
-          </a:p>
+          <a:p/>
         </p:txBody>
       </p:sp>
       <p:sp>
@@ -3099,9 +3032,7 @@
               <a:defRPr sz="2100"/>
             </a:lvl9pPr>
           </a:lstStyle>
-          <a:p>
-            <a:endParaRPr/>
-          </a:p>
+          <a:p/>
         </p:txBody>
       </p:sp>
       <p:sp>
@@ -3181,9 +3112,7 @@
               <a:defRPr/>
             </a:lvl9pPr>
           </a:lstStyle>
-          <a:p>
-            <a:endParaRPr/>
-          </a:p>
+          <a:p/>
         </p:txBody>
       </p:sp>
       <p:sp>
@@ -3219,7 +3148,6 @@
             </a:pPr>
             <a:fld id="{00000000-1234-1234-1234-123412341234}" type="slidenum">
               <a:rPr lang="en-GB"/>
-              <a:t>‹#›</a:t>
             </a:fld>
             <a:endParaRPr lang="en-GB"/>
           </a:p>
@@ -3286,9 +3214,7 @@
               <a:defRPr/>
             </a:lvl1pPr>
           </a:lstStyle>
-          <a:p>
-            <a:endParaRPr/>
-          </a:p>
+          <a:p/>
         </p:txBody>
       </p:sp>
       <p:sp>
@@ -3324,7 +3250,6 @@
             </a:pPr>
             <a:fld id="{00000000-1234-1234-1234-123412341234}" type="slidenum">
               <a:rPr lang="en-GB"/>
-              <a:t>‹#›</a:t>
             </a:fld>
             <a:endParaRPr lang="en-GB"/>
           </a:p>
@@ -3525,9 +3450,7 @@
               </a:defRPr>
             </a:lvl9pPr>
           </a:lstStyle>
-          <a:p>
-            <a:endParaRPr/>
-          </a:p>
+          <a:p/>
         </p:txBody>
       </p:sp>
       <p:sp>
@@ -3729,9 +3652,7 @@
               </a:defRPr>
             </a:lvl9pPr>
           </a:lstStyle>
-          <a:p>
-            <a:endParaRPr/>
-          </a:p>
+          <a:p/>
         </p:txBody>
       </p:sp>
       <p:sp>
@@ -3775,7 +3696,6 @@
                   <a:schemeClr val="dk2"/>
                 </a:solidFill>
               </a:rPr>
-              <a:t>‹#›</a:t>
             </a:fld>
             <a:endParaRPr lang="en-GB" sz="1000">
               <a:solidFill>
@@ -4344,7 +4264,6 @@
               </a:spcBef>
               <a:buNone/>
             </a:pPr>
-            <a:endParaRPr/>
           </a:p>
         </p:txBody>
       </p:sp>
@@ -4630,6 +4549,18 @@
               </a:rPr>
               <a:t>'male'</a:t>
             </a:r>
+            <a:endParaRPr lang="en-GB" sz="1500" dirty="0">
+              <a:solidFill>
+                <a:srgbClr val="00A33F"/>
+              </a:solidFill>
+              <a:highlight>
+                <a:srgbClr val="FFFFFF"/>
+              </a:highlight>
+              <a:latin typeface="Courier New"/>
+              <a:ea typeface="Courier New"/>
+              <a:cs typeface="Courier New"/>
+              <a:sym typeface="Courier New"/>
+            </a:endParaRPr>
           </a:p>
           <a:p>
             <a:pPr lvl="0">
@@ -4650,7 +4581,7 @@
         </p:nvSpPr>
         <p:spPr>
           <a:xfrm>
-            <a:off x="3349387" y="666756"/>
+            <a:off x="3123962" y="574046"/>
             <a:ext cx="2492990" cy="553998"/>
           </a:xfrm>
           <a:prstGeom prst="rect">
@@ -5238,6 +5169,18 @@
               </a:rPr>
               <a:t> age</a:t>
             </a:r>
+            <a:endParaRPr lang="en-GB" sz="1500" dirty="0">
+              <a:solidFill>
+                <a:schemeClr val="dk1"/>
+              </a:solidFill>
+              <a:highlight>
+                <a:srgbClr val="FFFFFF"/>
+              </a:highlight>
+              <a:latin typeface="Courier New"/>
+              <a:ea typeface="Courier New"/>
+              <a:cs typeface="Courier New"/>
+              <a:sym typeface="Courier New"/>
+            </a:endParaRPr>
           </a:p>
           <a:p>
             <a:pPr lvl="0">
@@ -5269,7 +5212,7 @@
         </p:nvSpPr>
         <p:spPr>
           <a:xfrm>
-            <a:off x="3217904" y="516967"/>
+            <a:off x="3118844" y="576657"/>
             <a:ext cx="2492990" cy="553998"/>
           </a:xfrm>
           <a:prstGeom prst="rect">
@@ -5458,6 +5401,13 @@
               </a:rPr>
               <a:t>？</a:t>
             </a:r>
+            <a:endParaRPr lang="en-GB" sz="2200" dirty="0">
+              <a:solidFill>
+                <a:srgbClr val="C94251"/>
+              </a:solidFill>
+              <a:latin typeface="微软雅黑" charset="0"/>
+              <a:ea typeface="微软雅黑" charset="0"/>
+            </a:endParaRPr>
           </a:p>
         </p:txBody>
       </p:sp>
@@ -5529,6 +5479,10 @@
               </a:rPr>
               <a:t>没提供私有属性的功能</a:t>
             </a:r>
+            <a:endParaRPr lang="zh-CN" altLang="en-US" sz="1500" dirty="0">
+              <a:latin typeface="微软雅黑" charset="0"/>
+              <a:ea typeface="微软雅黑" charset="0"/>
+            </a:endParaRPr>
           </a:p>
           <a:p>
             <a:pPr marL="457200" lvl="0" indent="-323850">
@@ -5553,6 +5507,10 @@
               </a:rPr>
               <a:t>...</a:t>
             </a:r>
+            <a:endParaRPr lang="en-GB" sz="1500" dirty="0">
+              <a:latin typeface="微软雅黑" charset="0"/>
+              <a:ea typeface="微软雅黑" charset="0"/>
+            </a:endParaRPr>
           </a:p>
           <a:p>
             <a:pPr lvl="0" rtl="0">
@@ -5576,7 +5534,7 @@
         </p:nvSpPr>
         <p:spPr>
           <a:xfrm>
-            <a:off x="3144085" y="456026"/>
+            <a:off x="3129480" y="577311"/>
             <a:ext cx="2492990" cy="553998"/>
           </a:xfrm>
           <a:prstGeom prst="rect">
@@ -5885,6 +5843,13 @@
               </a:rPr>
               <a:t>常用属性定义</a:t>
             </a:r>
+            <a:endParaRPr lang="zh-CN" altLang="en-GB" sz="2200" dirty="0">
+              <a:solidFill>
+                <a:srgbClr val="C94251"/>
+              </a:solidFill>
+              <a:latin typeface="微软雅黑" charset="0"/>
+              <a:ea typeface="微软雅黑" charset="0"/>
+            </a:endParaRPr>
           </a:p>
         </p:txBody>
       </p:sp>
@@ -6376,6 +6341,18 @@
               </a:rPr>
               <a:t> weight</a:t>
             </a:r>
+            <a:endParaRPr lang="en-GB" sz="1500" dirty="0">
+              <a:solidFill>
+                <a:schemeClr val="dk1"/>
+              </a:solidFill>
+              <a:highlight>
+                <a:srgbClr val="FFFFFF"/>
+              </a:highlight>
+              <a:latin typeface="Courier New"/>
+              <a:ea typeface="Courier New"/>
+              <a:cs typeface="Courier New"/>
+              <a:sym typeface="Courier New"/>
+            </a:endParaRPr>
           </a:p>
           <a:p>
             <a:pPr lvl="0" rtl="0">
@@ -6407,7 +6384,7 @@
         </p:nvSpPr>
         <p:spPr>
           <a:xfrm>
-            <a:off x="3283647" y="558803"/>
+            <a:off x="3131882" y="571503"/>
             <a:ext cx="2492990" cy="553998"/>
           </a:xfrm>
           <a:prstGeom prst="rect">
